--- a/Pitch Your Project-Cadence.pptx
+++ b/Pitch Your Project-Cadence.pptx
@@ -119,1139 +119,6 @@
     </p:ext>
   </p:extLst>
 </p:presentation>
-</file>
-
-<file path=ppt/revisionInfo.xml><?xml version="1.0" encoding="utf-8"?>
-<p1510:revInfo xmlns:a="http://schemas.openxmlformats.org/drawingml/2006/main" xmlns:r="http://schemas.openxmlformats.org/officeDocument/2006/relationships" xmlns:p1510="http://schemas.microsoft.com/office/powerpoint/2015/10/main">
-  <p1510:revLst>
-    <p1510:client id="{249A8034-0E72-4DD4-AC7A-A9846367B98E}" v="99" dt="2025-09-28T19:05:51.250"/>
-  </p1510:revLst>
-</p1510:revInfo>
-</file>
-
-<file path=ppt/changesInfos/changesInfo1.xml><?xml version="1.0" encoding="utf-8"?>
-<pc:chgInfo xmlns:a="http://schemas.openxmlformats.org/drawingml/2006/main" xmlns:r="http://schemas.openxmlformats.org/officeDocument/2006/relationships" xmlns:ac="http://schemas.microsoft.com/office/drawing/2013/main/command" xmlns:pc="http://schemas.microsoft.com/office/powerpoint/2013/main/command">
-  <pc:docChgLst>
-    <pc:chgData name="cadzen707@gmail.com" userId="S::urn:spo:guest#cadzen707@gmail.com::" providerId="AD" clId="Web-{95791F26-9D8D-3CB2-EF1E-C3060322DB3A}"/>
-    <pc:docChg chg="modSld">
-      <pc:chgData name="cadzen707@gmail.com" userId="S::urn:spo:guest#cadzen707@gmail.com::" providerId="AD" clId="Web-{95791F26-9D8D-3CB2-EF1E-C3060322DB3A}" dt="2025-09-26T16:51:27.614" v="1010" actId="14100"/>
-      <pc:docMkLst>
-        <pc:docMk/>
-      </pc:docMkLst>
-      <pc:sldChg chg="modSp">
-        <pc:chgData name="cadzen707@gmail.com" userId="S::urn:spo:guest#cadzen707@gmail.com::" providerId="AD" clId="Web-{95791F26-9D8D-3CB2-EF1E-C3060322DB3A}" dt="2025-09-26T16:40:53.954" v="768" actId="20577"/>
-        <pc:sldMkLst>
-          <pc:docMk/>
-          <pc:sldMk cId="4106970128" sldId="257"/>
-        </pc:sldMkLst>
-        <pc:spChg chg="mod">
-          <ac:chgData name="cadzen707@gmail.com" userId="S::urn:spo:guest#cadzen707@gmail.com::" providerId="AD" clId="Web-{95791F26-9D8D-3CB2-EF1E-C3060322DB3A}" dt="2025-09-26T16:40:53.954" v="768" actId="20577"/>
-          <ac:spMkLst>
-            <pc:docMk/>
-            <pc:sldMk cId="4106970128" sldId="257"/>
-            <ac:spMk id="3" creationId="{6A040AB3-181C-45FF-1971-B2EDA6A57F62}"/>
-          </ac:spMkLst>
-        </pc:spChg>
-      </pc:sldChg>
-      <pc:sldChg chg="addSp modSp mod setBg">
-        <pc:chgData name="cadzen707@gmail.com" userId="S::urn:spo:guest#cadzen707@gmail.com::" providerId="AD" clId="Web-{95791F26-9D8D-3CB2-EF1E-C3060322DB3A}" dt="2025-09-26T16:48:25.348" v="961"/>
-        <pc:sldMkLst>
-          <pc:docMk/>
-          <pc:sldMk cId="2851432302" sldId="258"/>
-        </pc:sldMkLst>
-        <pc:spChg chg="mod">
-          <ac:chgData name="cadzen707@gmail.com" userId="S::urn:spo:guest#cadzen707@gmail.com::" providerId="AD" clId="Web-{95791F26-9D8D-3CB2-EF1E-C3060322DB3A}" dt="2025-09-26T16:48:07.989" v="959"/>
-          <ac:spMkLst>
-            <pc:docMk/>
-            <pc:sldMk cId="2851432302" sldId="258"/>
-            <ac:spMk id="2" creationId="{E07A9B72-951A-F1F4-D0FA-CFDEBD3F5DF6}"/>
-          </ac:spMkLst>
-        </pc:spChg>
-        <pc:spChg chg="mod">
-          <ac:chgData name="cadzen707@gmail.com" userId="S::urn:spo:guest#cadzen707@gmail.com::" providerId="AD" clId="Web-{95791F26-9D8D-3CB2-EF1E-C3060322DB3A}" dt="2025-09-26T16:48:07.989" v="959"/>
-          <ac:spMkLst>
-            <pc:docMk/>
-            <pc:sldMk cId="2851432302" sldId="258"/>
-            <ac:spMk id="3" creationId="{FAEA082D-FC5F-60E5-F4F7-FC410A853FEB}"/>
-          </ac:spMkLst>
-        </pc:spChg>
-        <pc:spChg chg="add">
-          <ac:chgData name="cadzen707@gmail.com" userId="S::urn:spo:guest#cadzen707@gmail.com::" providerId="AD" clId="Web-{95791F26-9D8D-3CB2-EF1E-C3060322DB3A}" dt="2025-09-26T16:48:07.989" v="959"/>
-          <ac:spMkLst>
-            <pc:docMk/>
-            <pc:sldMk cId="2851432302" sldId="258"/>
-            <ac:spMk id="9" creationId="{744CAA32-F237-419C-A2DD-43C28D920D3C}"/>
-          </ac:spMkLst>
-        </pc:spChg>
-        <pc:picChg chg="add mod modCrop">
-          <ac:chgData name="cadzen707@gmail.com" userId="S::urn:spo:guest#cadzen707@gmail.com::" providerId="AD" clId="Web-{95791F26-9D8D-3CB2-EF1E-C3060322DB3A}" dt="2025-09-26T16:48:25.348" v="961"/>
-          <ac:picMkLst>
-            <pc:docMk/>
-            <pc:sldMk cId="2851432302" sldId="258"/>
-            <ac:picMk id="4" creationId="{CD16B62A-ACC9-A7D9-106C-6DEED1CD4348}"/>
-          </ac:picMkLst>
-        </pc:picChg>
-        <pc:cxnChg chg="add">
-          <ac:chgData name="cadzen707@gmail.com" userId="S::urn:spo:guest#cadzen707@gmail.com::" providerId="AD" clId="Web-{95791F26-9D8D-3CB2-EF1E-C3060322DB3A}" dt="2025-09-26T16:48:07.989" v="959"/>
-          <ac:cxnSpMkLst>
-            <pc:docMk/>
-            <pc:sldMk cId="2851432302" sldId="258"/>
-            <ac:cxnSpMk id="11" creationId="{753FE100-D0AB-4AE2-824B-60CFA31EC6A2}"/>
-          </ac:cxnSpMkLst>
-        </pc:cxnChg>
-      </pc:sldChg>
-      <pc:sldChg chg="modSp">
-        <pc:chgData name="cadzen707@gmail.com" userId="S::urn:spo:guest#cadzen707@gmail.com::" providerId="AD" clId="Web-{95791F26-9D8D-3CB2-EF1E-C3060322DB3A}" dt="2025-09-26T16:31:35.735" v="351" actId="20577"/>
-        <pc:sldMkLst>
-          <pc:docMk/>
-          <pc:sldMk cId="2327509689" sldId="263"/>
-        </pc:sldMkLst>
-        <pc:spChg chg="mod">
-          <ac:chgData name="cadzen707@gmail.com" userId="S::urn:spo:guest#cadzen707@gmail.com::" providerId="AD" clId="Web-{95791F26-9D8D-3CB2-EF1E-C3060322DB3A}" dt="2025-09-26T16:31:35.735" v="351" actId="20577"/>
-          <ac:spMkLst>
-            <pc:docMk/>
-            <pc:sldMk cId="2327509689" sldId="263"/>
-            <ac:spMk id="3" creationId="{203FE841-685C-D80B-97F0-D64F5D869D01}"/>
-          </ac:spMkLst>
-        </pc:spChg>
-      </pc:sldChg>
-      <pc:sldChg chg="modSp">
-        <pc:chgData name="cadzen707@gmail.com" userId="S::urn:spo:guest#cadzen707@gmail.com::" providerId="AD" clId="Web-{95791F26-9D8D-3CB2-EF1E-C3060322DB3A}" dt="2025-09-26T16:51:27.614" v="1010" actId="14100"/>
-        <pc:sldMkLst>
-          <pc:docMk/>
-          <pc:sldMk cId="52061838" sldId="265"/>
-        </pc:sldMkLst>
-        <pc:spChg chg="mod">
-          <ac:chgData name="cadzen707@gmail.com" userId="S::urn:spo:guest#cadzen707@gmail.com::" providerId="AD" clId="Web-{95791F26-9D8D-3CB2-EF1E-C3060322DB3A}" dt="2025-09-26T16:51:27.614" v="1010" actId="14100"/>
-          <ac:spMkLst>
-            <pc:docMk/>
-            <pc:sldMk cId="52061838" sldId="265"/>
-            <ac:spMk id="3" creationId="{900F228B-23C9-F7D3-07D3-0279B0250339}"/>
-          </ac:spMkLst>
-        </pc:spChg>
-      </pc:sldChg>
-    </pc:docChg>
-  </pc:docChgLst>
-  <pc:docChgLst>
-    <pc:chgData name="cadzen707@gmail.com" userId="S::urn:spo:guest#cadzen707@gmail.com::" providerId="AD" clId="Web-{FE7209D1-FC37-D376-1443-F71CD1DC9B6D}"/>
-    <pc:docChg chg="modSld">
-      <pc:chgData name="cadzen707@gmail.com" userId="S::urn:spo:guest#cadzen707@gmail.com::" providerId="AD" clId="Web-{FE7209D1-FC37-D376-1443-F71CD1DC9B6D}" dt="2025-09-24T16:50:53.951" v="288" actId="20577"/>
-      <pc:docMkLst>
-        <pc:docMk/>
-      </pc:docMkLst>
-      <pc:sldChg chg="addSp modSp">
-        <pc:chgData name="cadzen707@gmail.com" userId="S::urn:spo:guest#cadzen707@gmail.com::" providerId="AD" clId="Web-{FE7209D1-FC37-D376-1443-F71CD1DC9B6D}" dt="2025-09-24T16:26:41.495" v="18" actId="20577"/>
-        <pc:sldMkLst>
-          <pc:docMk/>
-          <pc:sldMk cId="1493150758" sldId="256"/>
-        </pc:sldMkLst>
-        <pc:spChg chg="mod">
-          <ac:chgData name="cadzen707@gmail.com" userId="S::urn:spo:guest#cadzen707@gmail.com::" providerId="AD" clId="Web-{FE7209D1-FC37-D376-1443-F71CD1DC9B6D}" dt="2025-09-24T16:26:39.760" v="16" actId="20577"/>
-          <ac:spMkLst>
-            <pc:docMk/>
-            <pc:sldMk cId="1493150758" sldId="256"/>
-            <ac:spMk id="2" creationId="{63A6691D-F86B-3089-3204-7093158C86DC}"/>
-          </ac:spMkLst>
-        </pc:spChg>
-        <pc:spChg chg="mod">
-          <ac:chgData name="cadzen707@gmail.com" userId="S::urn:spo:guest#cadzen707@gmail.com::" providerId="AD" clId="Web-{FE7209D1-FC37-D376-1443-F71CD1DC9B6D}" dt="2025-09-24T16:26:41.495" v="18" actId="20577"/>
-          <ac:spMkLst>
-            <pc:docMk/>
-            <pc:sldMk cId="1493150758" sldId="256"/>
-            <ac:spMk id="3" creationId="{362B875B-BA3A-677E-270D-A846B226690D}"/>
-          </ac:spMkLst>
-        </pc:spChg>
-        <pc:picChg chg="add mod">
-          <ac:chgData name="cadzen707@gmail.com" userId="S::urn:spo:guest#cadzen707@gmail.com::" providerId="AD" clId="Web-{FE7209D1-FC37-D376-1443-F71CD1DC9B6D}" dt="2025-09-24T16:26:14.245" v="6"/>
-          <ac:picMkLst>
-            <pc:docMk/>
-            <pc:sldMk cId="1493150758" sldId="256"/>
-            <ac:picMk id="5" creationId="{474B71A5-CE40-BF92-A70D-0CE1ED671BB9}"/>
-          </ac:picMkLst>
-        </pc:picChg>
-      </pc:sldChg>
-      <pc:sldChg chg="modSp">
-        <pc:chgData name="cadzen707@gmail.com" userId="S::urn:spo:guest#cadzen707@gmail.com::" providerId="AD" clId="Web-{FE7209D1-FC37-D376-1443-F71CD1DC9B6D}" dt="2025-09-24T16:50:53.951" v="288" actId="20577"/>
-        <pc:sldMkLst>
-          <pc:docMk/>
-          <pc:sldMk cId="4106970128" sldId="257"/>
-        </pc:sldMkLst>
-        <pc:spChg chg="mod">
-          <ac:chgData name="cadzen707@gmail.com" userId="S::urn:spo:guest#cadzen707@gmail.com::" providerId="AD" clId="Web-{FE7209D1-FC37-D376-1443-F71CD1DC9B6D}" dt="2025-09-24T16:50:53.951" v="288" actId="20577"/>
-          <ac:spMkLst>
-            <pc:docMk/>
-            <pc:sldMk cId="4106970128" sldId="257"/>
-            <ac:spMk id="3" creationId="{6A040AB3-181C-45FF-1971-B2EDA6A57F62}"/>
-          </ac:spMkLst>
-        </pc:spChg>
-      </pc:sldChg>
-    </pc:docChg>
-  </pc:docChgLst>
-  <pc:docChgLst>
-    <pc:chgData name="cadzen707@gmail.com" userId="S::urn:spo:guest#cadzen707@gmail.com::" providerId="AD" clId="Web-{C3054486-F1EB-5F0E-9BEE-1F4E9755F756}"/>
-    <pc:docChg chg="modSld">
-      <pc:chgData name="cadzen707@gmail.com" userId="S::urn:spo:guest#cadzen707@gmail.com::" providerId="AD" clId="Web-{C3054486-F1EB-5F0E-9BEE-1F4E9755F756}" dt="2025-09-24T20:39:54.515" v="34" actId="20577"/>
-      <pc:docMkLst>
-        <pc:docMk/>
-      </pc:docMkLst>
-      <pc:sldChg chg="modSp">
-        <pc:chgData name="cadzen707@gmail.com" userId="S::urn:spo:guest#cadzen707@gmail.com::" providerId="AD" clId="Web-{C3054486-F1EB-5F0E-9BEE-1F4E9755F756}" dt="2025-09-24T20:39:54.515" v="34" actId="20577"/>
-        <pc:sldMkLst>
-          <pc:docMk/>
-          <pc:sldMk cId="2327509689" sldId="263"/>
-        </pc:sldMkLst>
-        <pc:spChg chg="mod">
-          <ac:chgData name="cadzen707@gmail.com" userId="S::urn:spo:guest#cadzen707@gmail.com::" providerId="AD" clId="Web-{C3054486-F1EB-5F0E-9BEE-1F4E9755F756}" dt="2025-09-24T20:39:54.515" v="34" actId="20577"/>
-          <ac:spMkLst>
-            <pc:docMk/>
-            <pc:sldMk cId="2327509689" sldId="263"/>
-            <ac:spMk id="3" creationId="{203FE841-685C-D80B-97F0-D64F5D869D01}"/>
-          </ac:spMkLst>
-        </pc:spChg>
-      </pc:sldChg>
-    </pc:docChg>
-  </pc:docChgLst>
-  <pc:docChgLst>
-    <pc:chgData name="Caden Ringwood" userId="S::d00469887@utahtech.edu::bb13fa01-9d2a-467e-b0dd-ebc95d1df5ef" providerId="AD" clId="Web-{6301E038-AA54-48A1-B122-3FFC5B792EA6}"/>
-    <pc:docChg chg="modSld">
-      <pc:chgData name="Caden Ringwood" userId="S::d00469887@utahtech.edu::bb13fa01-9d2a-467e-b0dd-ebc95d1df5ef" providerId="AD" clId="Web-{6301E038-AA54-48A1-B122-3FFC5B792EA6}" dt="2025-09-26T16:51:53.678" v="602"/>
-      <pc:docMkLst>
-        <pc:docMk/>
-      </pc:docMkLst>
-      <pc:sldChg chg="addSp delSp modSp mod setBg">
-        <pc:chgData name="Caden Ringwood" userId="S::d00469887@utahtech.edu::bb13fa01-9d2a-467e-b0dd-ebc95d1df5ef" providerId="AD" clId="Web-{6301E038-AA54-48A1-B122-3FFC5B792EA6}" dt="2025-09-26T16:51:53.678" v="602"/>
-        <pc:sldMkLst>
-          <pc:docMk/>
-          <pc:sldMk cId="4106970128" sldId="257"/>
-        </pc:sldMkLst>
-      </pc:sldChg>
-      <pc:sldChg chg="modSp">
-        <pc:chgData name="Caden Ringwood" userId="S::d00469887@utahtech.edu::bb13fa01-9d2a-467e-b0dd-ebc95d1df5ef" providerId="AD" clId="Web-{6301E038-AA54-48A1-B122-3FFC5B792EA6}" dt="2025-09-26T16:27:30.427" v="62" actId="20577"/>
-        <pc:sldMkLst>
-          <pc:docMk/>
-          <pc:sldMk cId="3164159322" sldId="260"/>
-        </pc:sldMkLst>
-        <pc:spChg chg="mod">
-          <ac:chgData name="Caden Ringwood" userId="S::d00469887@utahtech.edu::bb13fa01-9d2a-467e-b0dd-ebc95d1df5ef" providerId="AD" clId="Web-{6301E038-AA54-48A1-B122-3FFC5B792EA6}" dt="2025-09-26T16:27:30.427" v="62" actId="20577"/>
-          <ac:spMkLst>
-            <pc:docMk/>
-            <pc:sldMk cId="3164159322" sldId="260"/>
-            <ac:spMk id="3" creationId="{89258380-49FC-B84C-8741-9D0C99A61EFA}"/>
-          </ac:spMkLst>
-        </pc:spChg>
-      </pc:sldChg>
-      <pc:sldChg chg="addSp modSp">
-        <pc:chgData name="Caden Ringwood" userId="S::d00469887@utahtech.edu::bb13fa01-9d2a-467e-b0dd-ebc95d1df5ef" providerId="AD" clId="Web-{6301E038-AA54-48A1-B122-3FFC5B792EA6}" dt="2025-09-26T16:39:24.240" v="534" actId="20577"/>
-        <pc:sldMkLst>
-          <pc:docMk/>
-          <pc:sldMk cId="4104878181" sldId="261"/>
-        </pc:sldMkLst>
-        <pc:spChg chg="add mod">
-          <ac:chgData name="Caden Ringwood" userId="S::d00469887@utahtech.edu::bb13fa01-9d2a-467e-b0dd-ebc95d1df5ef" providerId="AD" clId="Web-{6301E038-AA54-48A1-B122-3FFC5B792EA6}" dt="2025-09-26T16:39:24.240" v="534" actId="20577"/>
-          <ac:spMkLst>
-            <pc:docMk/>
-            <pc:sldMk cId="4104878181" sldId="261"/>
-            <ac:spMk id="3" creationId="{CA1990EE-F740-336C-82CC-5BC04007BE21}"/>
-          </ac:spMkLst>
-        </pc:spChg>
-      </pc:sldChg>
-      <pc:sldChg chg="modSp">
-        <pc:chgData name="Caden Ringwood" userId="S::d00469887@utahtech.edu::bb13fa01-9d2a-467e-b0dd-ebc95d1df5ef" providerId="AD" clId="Web-{6301E038-AA54-48A1-B122-3FFC5B792EA6}" dt="2025-09-26T16:29:21.271" v="188" actId="20577"/>
-        <pc:sldMkLst>
-          <pc:docMk/>
-          <pc:sldMk cId="2327509689" sldId="263"/>
-        </pc:sldMkLst>
-        <pc:spChg chg="mod">
-          <ac:chgData name="Caden Ringwood" userId="S::d00469887@utahtech.edu::bb13fa01-9d2a-467e-b0dd-ebc95d1df5ef" providerId="AD" clId="Web-{6301E038-AA54-48A1-B122-3FFC5B792EA6}" dt="2025-09-26T16:29:21.271" v="188" actId="20577"/>
-          <ac:spMkLst>
-            <pc:docMk/>
-            <pc:sldMk cId="2327509689" sldId="263"/>
-            <ac:spMk id="3" creationId="{203FE841-685C-D80B-97F0-D64F5D869D01}"/>
-          </ac:spMkLst>
-        </pc:spChg>
-      </pc:sldChg>
-      <pc:sldChg chg="addSp delSp modSp mod setBg">
-        <pc:chgData name="Caden Ringwood" userId="S::d00469887@utahtech.edu::bb13fa01-9d2a-467e-b0dd-ebc95d1df5ef" providerId="AD" clId="Web-{6301E038-AA54-48A1-B122-3FFC5B792EA6}" dt="2025-09-26T16:48:54.615" v="600"/>
-        <pc:sldMkLst>
-          <pc:docMk/>
-          <pc:sldMk cId="52061838" sldId="265"/>
-        </pc:sldMkLst>
-        <pc:spChg chg="mod">
-          <ac:chgData name="Caden Ringwood" userId="S::d00469887@utahtech.edu::bb13fa01-9d2a-467e-b0dd-ebc95d1df5ef" providerId="AD" clId="Web-{6301E038-AA54-48A1-B122-3FFC5B792EA6}" dt="2025-09-26T16:47:47.944" v="597"/>
-          <ac:spMkLst>
-            <pc:docMk/>
-            <pc:sldMk cId="52061838" sldId="265"/>
-            <ac:spMk id="2" creationId="{A2BEB8FE-C435-2F90-1A7A-7B976412B803}"/>
-          </ac:spMkLst>
-        </pc:spChg>
-        <pc:spChg chg="mod">
-          <ac:chgData name="Caden Ringwood" userId="S::d00469887@utahtech.edu::bb13fa01-9d2a-467e-b0dd-ebc95d1df5ef" providerId="AD" clId="Web-{6301E038-AA54-48A1-B122-3FFC5B792EA6}" dt="2025-09-26T16:47:47.944" v="597"/>
-          <ac:spMkLst>
-            <pc:docMk/>
-            <pc:sldMk cId="52061838" sldId="265"/>
-            <ac:spMk id="3" creationId="{900F228B-23C9-F7D3-07D3-0279B0250339}"/>
-          </ac:spMkLst>
-        </pc:spChg>
-        <pc:spChg chg="add">
-          <ac:chgData name="Caden Ringwood" userId="S::d00469887@utahtech.edu::bb13fa01-9d2a-467e-b0dd-ebc95d1df5ef" providerId="AD" clId="Web-{6301E038-AA54-48A1-B122-3FFC5B792EA6}" dt="2025-09-26T16:47:47.944" v="597"/>
-          <ac:spMkLst>
-            <pc:docMk/>
-            <pc:sldMk cId="52061838" sldId="265"/>
-            <ac:spMk id="10" creationId="{89BBA96D-760C-44C0-B94F-3FDC8357B2C8}"/>
-          </ac:spMkLst>
-        </pc:spChg>
-        <pc:spChg chg="add">
-          <ac:chgData name="Caden Ringwood" userId="S::d00469887@utahtech.edu::bb13fa01-9d2a-467e-b0dd-ebc95d1df5ef" providerId="AD" clId="Web-{6301E038-AA54-48A1-B122-3FFC5B792EA6}" dt="2025-09-26T16:47:47.944" v="597"/>
-          <ac:spMkLst>
-            <pc:docMk/>
-            <pc:sldMk cId="52061838" sldId="265"/>
-            <ac:spMk id="12" creationId="{EAA5F1BF-F733-47EA-A79A-01F3AD5A7988}"/>
-          </ac:spMkLst>
-        </pc:spChg>
-        <pc:picChg chg="add del mod ord">
-          <ac:chgData name="Caden Ringwood" userId="S::d00469887@utahtech.edu::bb13fa01-9d2a-467e-b0dd-ebc95d1df5ef" providerId="AD" clId="Web-{6301E038-AA54-48A1-B122-3FFC5B792EA6}" dt="2025-09-26T16:48:54.615" v="600"/>
-          <ac:picMkLst>
-            <pc:docMk/>
-            <pc:sldMk cId="52061838" sldId="265"/>
-            <ac:picMk id="5" creationId="{8BFA6456-18FC-3628-437B-D9C01CDC7549}"/>
-          </ac:picMkLst>
-        </pc:picChg>
-        <pc:cxnChg chg="add">
-          <ac:chgData name="Caden Ringwood" userId="S::d00469887@utahtech.edu::bb13fa01-9d2a-467e-b0dd-ebc95d1df5ef" providerId="AD" clId="Web-{6301E038-AA54-48A1-B122-3FFC5B792EA6}" dt="2025-09-26T16:47:47.944" v="597"/>
-          <ac:cxnSpMkLst>
-            <pc:docMk/>
-            <pc:sldMk cId="52061838" sldId="265"/>
-            <ac:cxnSpMk id="14" creationId="{652938D1-813E-4650-AAB9-E09257454FF2}"/>
-          </ac:cxnSpMkLst>
-        </pc:cxnChg>
-      </pc:sldChg>
-    </pc:docChg>
-  </pc:docChgLst>
-  <pc:docChgLst>
-    <pc:chgData name="Caden Ringwood" userId="S::d00469887@utahtech.edu::bb13fa01-9d2a-467e-b0dd-ebc95d1df5ef" providerId="AD" clId="Web-{261CC0C1-24C1-1C6E-90A7-23A9E0BAEA97}"/>
-    <pc:docChg chg="modSld">
-      <pc:chgData name="Caden Ringwood" userId="S::d00469887@utahtech.edu::bb13fa01-9d2a-467e-b0dd-ebc95d1df5ef" providerId="AD" clId="Web-{261CC0C1-24C1-1C6E-90A7-23A9E0BAEA97}" dt="2025-09-24T16:50:48.928" v="376" actId="20577"/>
-      <pc:docMkLst>
-        <pc:docMk/>
-      </pc:docMkLst>
-      <pc:sldChg chg="modSp">
-        <pc:chgData name="Caden Ringwood" userId="S::d00469887@utahtech.edu::bb13fa01-9d2a-467e-b0dd-ebc95d1df5ef" providerId="AD" clId="Web-{261CC0C1-24C1-1C6E-90A7-23A9E0BAEA97}" dt="2025-09-24T16:24:27.338" v="8" actId="20577"/>
-        <pc:sldMkLst>
-          <pc:docMk/>
-          <pc:sldMk cId="1493150758" sldId="256"/>
-        </pc:sldMkLst>
-        <pc:spChg chg="mod">
-          <ac:chgData name="Caden Ringwood" userId="S::d00469887@utahtech.edu::bb13fa01-9d2a-467e-b0dd-ebc95d1df5ef" providerId="AD" clId="Web-{261CC0C1-24C1-1C6E-90A7-23A9E0BAEA97}" dt="2025-09-24T16:24:27.338" v="8" actId="20577"/>
-          <ac:spMkLst>
-            <pc:docMk/>
-            <pc:sldMk cId="1493150758" sldId="256"/>
-            <ac:spMk id="2" creationId="{63A6691D-F86B-3089-3204-7093158C86DC}"/>
-          </ac:spMkLst>
-        </pc:spChg>
-      </pc:sldChg>
-      <pc:sldChg chg="modSp">
-        <pc:chgData name="Caden Ringwood" userId="S::d00469887@utahtech.edu::bb13fa01-9d2a-467e-b0dd-ebc95d1df5ef" providerId="AD" clId="Web-{261CC0C1-24C1-1C6E-90A7-23A9E0BAEA97}" dt="2025-09-24T16:42:36.257" v="24" actId="20577"/>
-        <pc:sldMkLst>
-          <pc:docMk/>
-          <pc:sldMk cId="2851432302" sldId="258"/>
-        </pc:sldMkLst>
-        <pc:spChg chg="mod">
-          <ac:chgData name="Caden Ringwood" userId="S::d00469887@utahtech.edu::bb13fa01-9d2a-467e-b0dd-ebc95d1df5ef" providerId="AD" clId="Web-{261CC0C1-24C1-1C6E-90A7-23A9E0BAEA97}" dt="2025-09-24T16:42:36.257" v="24" actId="20577"/>
-          <ac:spMkLst>
-            <pc:docMk/>
-            <pc:sldMk cId="2851432302" sldId="258"/>
-            <ac:spMk id="3" creationId="{FAEA082D-FC5F-60E5-F4F7-FC410A853FEB}"/>
-          </ac:spMkLst>
-        </pc:spChg>
-      </pc:sldChg>
-      <pc:sldChg chg="addSp delSp modSp mod setBg">
-        <pc:chgData name="Caden Ringwood" userId="S::d00469887@utahtech.edu::bb13fa01-9d2a-467e-b0dd-ebc95d1df5ef" providerId="AD" clId="Web-{261CC0C1-24C1-1C6E-90A7-23A9E0BAEA97}" dt="2025-09-24T16:40:54.757" v="15" actId="14100"/>
-        <pc:sldMkLst>
-          <pc:docMk/>
-          <pc:sldMk cId="286171125" sldId="262"/>
-        </pc:sldMkLst>
-        <pc:spChg chg="mod">
-          <ac:chgData name="Caden Ringwood" userId="S::d00469887@utahtech.edu::bb13fa01-9d2a-467e-b0dd-ebc95d1df5ef" providerId="AD" clId="Web-{261CC0C1-24C1-1C6E-90A7-23A9E0BAEA97}" dt="2025-09-24T16:40:43.367" v="13"/>
-          <ac:spMkLst>
-            <pc:docMk/>
-            <pc:sldMk cId="286171125" sldId="262"/>
-            <ac:spMk id="2" creationId="{7E2112AE-86A5-64DA-BD96-2E3D6CDC94EE}"/>
-          </ac:spMkLst>
-        </pc:spChg>
-        <pc:spChg chg="add">
-          <ac:chgData name="Caden Ringwood" userId="S::d00469887@utahtech.edu::bb13fa01-9d2a-467e-b0dd-ebc95d1df5ef" providerId="AD" clId="Web-{261CC0C1-24C1-1C6E-90A7-23A9E0BAEA97}" dt="2025-09-24T16:40:43.367" v="13"/>
-          <ac:spMkLst>
-            <pc:docMk/>
-            <pc:sldMk cId="286171125" sldId="262"/>
-            <ac:spMk id="12" creationId="{19F9BF86-FE94-4517-B97D-026C7515E589}"/>
-          </ac:spMkLst>
-        </pc:spChg>
-        <pc:picChg chg="add mod ord">
-          <ac:chgData name="Caden Ringwood" userId="S::d00469887@utahtech.edu::bb13fa01-9d2a-467e-b0dd-ebc95d1df5ef" providerId="AD" clId="Web-{261CC0C1-24C1-1C6E-90A7-23A9E0BAEA97}" dt="2025-09-24T16:40:51.992" v="14" actId="14100"/>
-          <ac:picMkLst>
-            <pc:docMk/>
-            <pc:sldMk cId="286171125" sldId="262"/>
-            <ac:picMk id="4" creationId="{338CB350-3162-932E-442A-7437EA62ECA7}"/>
-          </ac:picMkLst>
-        </pc:picChg>
-        <pc:picChg chg="add mod">
-          <ac:chgData name="Caden Ringwood" userId="S::d00469887@utahtech.edu::bb13fa01-9d2a-467e-b0dd-ebc95d1df5ef" providerId="AD" clId="Web-{261CC0C1-24C1-1C6E-90A7-23A9E0BAEA97}" dt="2025-09-24T16:40:54.757" v="15" actId="14100"/>
-          <ac:picMkLst>
-            <pc:docMk/>
-            <pc:sldMk cId="286171125" sldId="262"/>
-            <ac:picMk id="5" creationId="{4D680E02-FBAF-5700-5AC6-033D8D8286BA}"/>
-          </ac:picMkLst>
-        </pc:picChg>
-        <pc:cxnChg chg="add">
-          <ac:chgData name="Caden Ringwood" userId="S::d00469887@utahtech.edu::bb13fa01-9d2a-467e-b0dd-ebc95d1df5ef" providerId="AD" clId="Web-{261CC0C1-24C1-1C6E-90A7-23A9E0BAEA97}" dt="2025-09-24T16:40:43.367" v="13"/>
-          <ac:cxnSpMkLst>
-            <pc:docMk/>
-            <pc:sldMk cId="286171125" sldId="262"/>
-            <ac:cxnSpMk id="10" creationId="{118E06E4-607B-144B-382B-AD3D06B1EE8C}"/>
-          </ac:cxnSpMkLst>
-        </pc:cxnChg>
-        <pc:cxnChg chg="add">
-          <ac:chgData name="Caden Ringwood" userId="S::d00469887@utahtech.edu::bb13fa01-9d2a-467e-b0dd-ebc95d1df5ef" providerId="AD" clId="Web-{261CC0C1-24C1-1C6E-90A7-23A9E0BAEA97}" dt="2025-09-24T16:40:43.367" v="13"/>
-          <ac:cxnSpMkLst>
-            <pc:docMk/>
-            <pc:sldMk cId="286171125" sldId="262"/>
-            <ac:cxnSpMk id="14" creationId="{6CE0D2A5-C167-FB61-F32A-674B344F2D1F}"/>
-          </ac:cxnSpMkLst>
-        </pc:cxnChg>
-      </pc:sldChg>
-      <pc:sldChg chg="modSp">
-        <pc:chgData name="Caden Ringwood" userId="S::d00469887@utahtech.edu::bb13fa01-9d2a-467e-b0dd-ebc95d1df5ef" providerId="AD" clId="Web-{261CC0C1-24C1-1C6E-90A7-23A9E0BAEA97}" dt="2025-09-24T16:50:48.928" v="376" actId="20577"/>
-        <pc:sldMkLst>
-          <pc:docMk/>
-          <pc:sldMk cId="2327509689" sldId="263"/>
-        </pc:sldMkLst>
-        <pc:spChg chg="mod">
-          <ac:chgData name="Caden Ringwood" userId="S::d00469887@utahtech.edu::bb13fa01-9d2a-467e-b0dd-ebc95d1df5ef" providerId="AD" clId="Web-{261CC0C1-24C1-1C6E-90A7-23A9E0BAEA97}" dt="2025-09-24T16:50:48.928" v="376" actId="20577"/>
-          <ac:spMkLst>
-            <pc:docMk/>
-            <pc:sldMk cId="2327509689" sldId="263"/>
-            <ac:spMk id="3" creationId="{203FE841-685C-D80B-97F0-D64F5D869D01}"/>
-          </ac:spMkLst>
-        </pc:spChg>
-      </pc:sldChg>
-      <pc:sldChg chg="modSp">
-        <pc:chgData name="Caden Ringwood" userId="S::d00469887@utahtech.edu::bb13fa01-9d2a-467e-b0dd-ebc95d1df5ef" providerId="AD" clId="Web-{261CC0C1-24C1-1C6E-90A7-23A9E0BAEA97}" dt="2025-09-24T16:42:21.492" v="19" actId="20577"/>
-        <pc:sldMkLst>
-          <pc:docMk/>
-          <pc:sldMk cId="52061838" sldId="265"/>
-        </pc:sldMkLst>
-        <pc:spChg chg="mod">
-          <ac:chgData name="Caden Ringwood" userId="S::d00469887@utahtech.edu::bb13fa01-9d2a-467e-b0dd-ebc95d1df5ef" providerId="AD" clId="Web-{261CC0C1-24C1-1C6E-90A7-23A9E0BAEA97}" dt="2025-09-24T16:42:21.492" v="19" actId="20577"/>
-          <ac:spMkLst>
-            <pc:docMk/>
-            <pc:sldMk cId="52061838" sldId="265"/>
-            <ac:spMk id="3" creationId="{900F228B-23C9-F7D3-07D3-0279B0250339}"/>
-          </ac:spMkLst>
-        </pc:spChg>
-      </pc:sldChg>
-    </pc:docChg>
-  </pc:docChgLst>
-  <pc:docChgLst>
-    <pc:chgData name="coleseal18@gmail.com" userId="S::urn:spo:guest#coleseal18@gmail.com::" providerId="AD" clId="Web-{D203917B-4132-E83E-D611-C025BFFE0F16}"/>
-    <pc:docChg chg="modSld">
-      <pc:chgData name="coleseal18@gmail.com" userId="S::urn:spo:guest#coleseal18@gmail.com::" providerId="AD" clId="Web-{D203917B-4132-E83E-D611-C025BFFE0F16}" dt="2025-09-26T16:36:15.912" v="559" actId="20577"/>
-      <pc:docMkLst>
-        <pc:docMk/>
-      </pc:docMkLst>
-      <pc:sldChg chg="modSp">
-        <pc:chgData name="coleseal18@gmail.com" userId="S::urn:spo:guest#coleseal18@gmail.com::" providerId="AD" clId="Web-{D203917B-4132-E83E-D611-C025BFFE0F16}" dt="2025-09-26T16:35:59.599" v="554" actId="20577"/>
-        <pc:sldMkLst>
-          <pc:docMk/>
-          <pc:sldMk cId="752305589" sldId="259"/>
-        </pc:sldMkLst>
-        <pc:spChg chg="mod">
-          <ac:chgData name="coleseal18@gmail.com" userId="S::urn:spo:guest#coleseal18@gmail.com::" providerId="AD" clId="Web-{D203917B-4132-E83E-D611-C025BFFE0F16}" dt="2025-09-26T16:35:59.599" v="554" actId="20577"/>
-          <ac:spMkLst>
-            <pc:docMk/>
-            <pc:sldMk cId="752305589" sldId="259"/>
-            <ac:spMk id="3" creationId="{8FCCC3A7-BC35-6BAB-A119-FD566D492066}"/>
-          </ac:spMkLst>
-        </pc:spChg>
-      </pc:sldChg>
-      <pc:sldChg chg="modSp">
-        <pc:chgData name="coleseal18@gmail.com" userId="S::urn:spo:guest#coleseal18@gmail.com::" providerId="AD" clId="Web-{D203917B-4132-E83E-D611-C025BFFE0F16}" dt="2025-09-26T16:36:15.912" v="559" actId="20577"/>
-        <pc:sldMkLst>
-          <pc:docMk/>
-          <pc:sldMk cId="3164159322" sldId="260"/>
-        </pc:sldMkLst>
-        <pc:spChg chg="mod">
-          <ac:chgData name="coleseal18@gmail.com" userId="S::urn:spo:guest#coleseal18@gmail.com::" providerId="AD" clId="Web-{D203917B-4132-E83E-D611-C025BFFE0F16}" dt="2025-09-26T16:36:15.912" v="559" actId="20577"/>
-          <ac:spMkLst>
-            <pc:docMk/>
-            <pc:sldMk cId="3164159322" sldId="260"/>
-            <ac:spMk id="3" creationId="{89258380-49FC-B84C-8741-9D0C99A61EFA}"/>
-          </ac:spMkLst>
-        </pc:spChg>
-      </pc:sldChg>
-      <pc:sldChg chg="modSp">
-        <pc:chgData name="coleseal18@gmail.com" userId="S::urn:spo:guest#coleseal18@gmail.com::" providerId="AD" clId="Web-{D203917B-4132-E83E-D611-C025BFFE0F16}" dt="2025-09-26T16:27:07.150" v="120" actId="20577"/>
-        <pc:sldMkLst>
-          <pc:docMk/>
-          <pc:sldMk cId="52061838" sldId="265"/>
-        </pc:sldMkLst>
-        <pc:spChg chg="mod">
-          <ac:chgData name="coleseal18@gmail.com" userId="S::urn:spo:guest#coleseal18@gmail.com::" providerId="AD" clId="Web-{D203917B-4132-E83E-D611-C025BFFE0F16}" dt="2025-09-26T16:27:07.150" v="120" actId="20577"/>
-          <ac:spMkLst>
-            <pc:docMk/>
-            <pc:sldMk cId="52061838" sldId="265"/>
-            <ac:spMk id="3" creationId="{900F228B-23C9-F7D3-07D3-0279B0250339}"/>
-          </ac:spMkLst>
-        </pc:spChg>
-      </pc:sldChg>
-    </pc:docChg>
-  </pc:docChgLst>
-  <pc:docChgLst>
-    <pc:chgData name="Tyler Mullins" userId="67d1934c-3513-40f7-b2c8-5696410f3a0e" providerId="ADAL" clId="{249A8034-0E72-4DD4-AC7A-A9846367B98E}"/>
-    <pc:docChg chg="undo custSel addSld delSld modSld sldOrd addMainMaster delMainMaster">
-      <pc:chgData name="Tyler Mullins" userId="67d1934c-3513-40f7-b2c8-5696410f3a0e" providerId="ADAL" clId="{249A8034-0E72-4DD4-AC7A-A9846367B98E}" dt="2025-09-28T19:05:51.250" v="749" actId="26606"/>
-      <pc:docMkLst>
-        <pc:docMk/>
-      </pc:docMkLst>
-      <pc:sldChg chg="addSp modSp mod setBg modClrScheme chgLayout">
-        <pc:chgData name="Tyler Mullins" userId="67d1934c-3513-40f7-b2c8-5696410f3a0e" providerId="ADAL" clId="{249A8034-0E72-4DD4-AC7A-A9846367B98E}" dt="2025-09-24T16:35:13.567" v="245" actId="122"/>
-        <pc:sldMkLst>
-          <pc:docMk/>
-          <pc:sldMk cId="1493150758" sldId="256"/>
-        </pc:sldMkLst>
-        <pc:spChg chg="mod">
-          <ac:chgData name="Tyler Mullins" userId="67d1934c-3513-40f7-b2c8-5696410f3a0e" providerId="ADAL" clId="{249A8034-0E72-4DD4-AC7A-A9846367B98E}" dt="2025-09-24T16:35:13.567" v="245" actId="122"/>
-          <ac:spMkLst>
-            <pc:docMk/>
-            <pc:sldMk cId="1493150758" sldId="256"/>
-            <ac:spMk id="2" creationId="{63A6691D-F86B-3089-3204-7093158C86DC}"/>
-          </ac:spMkLst>
-        </pc:spChg>
-        <pc:spChg chg="mod">
-          <ac:chgData name="Tyler Mullins" userId="67d1934c-3513-40f7-b2c8-5696410f3a0e" providerId="ADAL" clId="{249A8034-0E72-4DD4-AC7A-A9846367B98E}" dt="2025-09-24T16:35:08.432" v="244" actId="122"/>
-          <ac:spMkLst>
-            <pc:docMk/>
-            <pc:sldMk cId="1493150758" sldId="256"/>
-            <ac:spMk id="3" creationId="{362B875B-BA3A-677E-270D-A846B226690D}"/>
-          </ac:spMkLst>
-        </pc:spChg>
-        <pc:spChg chg="add">
-          <ac:chgData name="Tyler Mullins" userId="67d1934c-3513-40f7-b2c8-5696410f3a0e" providerId="ADAL" clId="{249A8034-0E72-4DD4-AC7A-A9846367B98E}" dt="2025-09-24T16:19:39.604" v="0" actId="26606"/>
-          <ac:spMkLst>
-            <pc:docMk/>
-            <pc:sldMk cId="1493150758" sldId="256"/>
-            <ac:spMk id="9" creationId="{19F9BF86-FE94-4517-B97D-026C7515E589}"/>
-          </ac:spMkLst>
-        </pc:spChg>
-        <pc:picChg chg="add">
-          <ac:chgData name="Tyler Mullins" userId="67d1934c-3513-40f7-b2c8-5696410f3a0e" providerId="ADAL" clId="{249A8034-0E72-4DD4-AC7A-A9846367B98E}" dt="2025-09-24T16:19:39.604" v="0" actId="26606"/>
-          <ac:picMkLst>
-            <pc:docMk/>
-            <pc:sldMk cId="1493150758" sldId="256"/>
-            <ac:picMk id="4" creationId="{9A54345F-F510-748E-027B-8DD32402676B}"/>
-          </ac:picMkLst>
-        </pc:picChg>
-        <pc:picChg chg="mod">
-          <ac:chgData name="Tyler Mullins" userId="67d1934c-3513-40f7-b2c8-5696410f3a0e" providerId="ADAL" clId="{249A8034-0E72-4DD4-AC7A-A9846367B98E}" dt="2025-09-24T16:26:34.429" v="15" actId="1076"/>
-          <ac:picMkLst>
-            <pc:docMk/>
-            <pc:sldMk cId="1493150758" sldId="256"/>
-            <ac:picMk id="5" creationId="{474B71A5-CE40-BF92-A70D-0CE1ED671BB9}"/>
-          </ac:picMkLst>
-        </pc:picChg>
-        <pc:cxnChg chg="add">
-          <ac:chgData name="Tyler Mullins" userId="67d1934c-3513-40f7-b2c8-5696410f3a0e" providerId="ADAL" clId="{249A8034-0E72-4DD4-AC7A-A9846367B98E}" dt="2025-09-24T16:19:39.604" v="0" actId="26606"/>
-          <ac:cxnSpMkLst>
-            <pc:docMk/>
-            <pc:sldMk cId="1493150758" sldId="256"/>
-            <ac:cxnSpMk id="11" creationId="{6CA391F1-4B2C-521B-F6A5-52C74B30349D}"/>
-          </ac:cxnSpMkLst>
-        </pc:cxnChg>
-      </pc:sldChg>
-      <pc:sldChg chg="addSp delSp modSp new mod setBg">
-        <pc:chgData name="Tyler Mullins" userId="67d1934c-3513-40f7-b2c8-5696410f3a0e" providerId="ADAL" clId="{249A8034-0E72-4DD4-AC7A-A9846367B98E}" dt="2025-09-28T19:05:51.250" v="749" actId="26606"/>
-        <pc:sldMkLst>
-          <pc:docMk/>
-          <pc:sldMk cId="4106970128" sldId="257"/>
-        </pc:sldMkLst>
-        <pc:spChg chg="mod">
-          <ac:chgData name="Tyler Mullins" userId="67d1934c-3513-40f7-b2c8-5696410f3a0e" providerId="ADAL" clId="{249A8034-0E72-4DD4-AC7A-A9846367B98E}" dt="2025-09-28T19:05:51.250" v="749" actId="26606"/>
-          <ac:spMkLst>
-            <pc:docMk/>
-            <pc:sldMk cId="4106970128" sldId="257"/>
-            <ac:spMk id="2" creationId="{0718367C-104C-DE0E-6916-536F354B45A1}"/>
-          </ac:spMkLst>
-        </pc:spChg>
-        <pc:spChg chg="add del">
-          <ac:chgData name="Tyler Mullins" userId="67d1934c-3513-40f7-b2c8-5696410f3a0e" providerId="ADAL" clId="{249A8034-0E72-4DD4-AC7A-A9846367B98E}" dt="2025-09-28T19:04:01.464" v="741" actId="26606"/>
-          <ac:spMkLst>
-            <pc:docMk/>
-            <pc:sldMk cId="4106970128" sldId="257"/>
-            <ac:spMk id="3" creationId="{6A040AB3-181C-45FF-1971-B2EDA6A57F62}"/>
-          </ac:spMkLst>
-        </pc:spChg>
-        <pc:spChg chg="add del">
-          <ac:chgData name="Tyler Mullins" userId="67d1934c-3513-40f7-b2c8-5696410f3a0e" providerId="ADAL" clId="{249A8034-0E72-4DD4-AC7A-A9846367B98E}" dt="2025-09-28T19:04:01.464" v="740" actId="26606"/>
-          <ac:spMkLst>
-            <pc:docMk/>
-            <pc:sldMk cId="4106970128" sldId="257"/>
-            <ac:spMk id="9" creationId="{A637580D-1176-4083-A9A1-BD8ED08996EC}"/>
-          </ac:spMkLst>
-        </pc:spChg>
-        <pc:spChg chg="add del">
-          <ac:chgData name="Tyler Mullins" userId="67d1934c-3513-40f7-b2c8-5696410f3a0e" providerId="ADAL" clId="{249A8034-0E72-4DD4-AC7A-A9846367B98E}" dt="2025-09-28T19:05:51.250" v="749" actId="26606"/>
-          <ac:spMkLst>
-            <pc:docMk/>
-            <pc:sldMk cId="4106970128" sldId="257"/>
-            <ac:spMk id="13" creationId="{744CAA32-F237-419C-A2DD-43C28D920D3C}"/>
-          </ac:spMkLst>
-        </pc:spChg>
-        <pc:spChg chg="add mod ord">
-          <ac:chgData name="Tyler Mullins" userId="67d1934c-3513-40f7-b2c8-5696410f3a0e" providerId="ADAL" clId="{249A8034-0E72-4DD4-AC7A-A9846367B98E}" dt="2025-09-28T19:05:51.250" v="749" actId="26606"/>
-          <ac:spMkLst>
-            <pc:docMk/>
-            <pc:sldMk cId="4106970128" sldId="257"/>
-            <ac:spMk id="16" creationId="{6A040AB3-181C-45FF-1971-B2EDA6A57F62}"/>
-          </ac:spMkLst>
-        </pc:spChg>
-        <pc:spChg chg="add del">
-          <ac:chgData name="Tyler Mullins" userId="67d1934c-3513-40f7-b2c8-5696410f3a0e" providerId="ADAL" clId="{249A8034-0E72-4DD4-AC7A-A9846367B98E}" dt="2025-09-28T19:05:51.235" v="748" actId="26606"/>
-          <ac:spMkLst>
-            <pc:docMk/>
-            <pc:sldMk cId="4106970128" sldId="257"/>
-            <ac:spMk id="21" creationId="{DBDA151C-5770-45E4-AAFF-59E7F403866D}"/>
-          </ac:spMkLst>
-        </pc:spChg>
-        <pc:spChg chg="add">
-          <ac:chgData name="Tyler Mullins" userId="67d1934c-3513-40f7-b2c8-5696410f3a0e" providerId="ADAL" clId="{249A8034-0E72-4DD4-AC7A-A9846367B98E}" dt="2025-09-28T19:05:51.250" v="749" actId="26606"/>
-          <ac:spMkLst>
-            <pc:docMk/>
-            <pc:sldMk cId="4106970128" sldId="257"/>
-            <ac:spMk id="25" creationId="{063F27BC-7079-4FF7-8F7C-ABC82FA3C247}"/>
-          </ac:spMkLst>
-        </pc:spChg>
-        <pc:graphicFrameChg chg="add del">
-          <ac:chgData name="Tyler Mullins" userId="67d1934c-3513-40f7-b2c8-5696410f3a0e" providerId="ADAL" clId="{249A8034-0E72-4DD4-AC7A-A9846367B98E}" dt="2025-09-28T19:04:01.464" v="740" actId="26606"/>
-          <ac:graphicFrameMkLst>
-            <pc:docMk/>
-            <pc:sldMk cId="4106970128" sldId="257"/>
-            <ac:graphicFrameMk id="5" creationId="{03F978AC-A819-5664-09F1-A6223E8ADE2A}"/>
-          </ac:graphicFrameMkLst>
-        </pc:graphicFrameChg>
-        <pc:picChg chg="add mod">
-          <ac:chgData name="Tyler Mullins" userId="67d1934c-3513-40f7-b2c8-5696410f3a0e" providerId="ADAL" clId="{249A8034-0E72-4DD4-AC7A-A9846367B98E}" dt="2025-09-28T19:05:51.250" v="749" actId="26606"/>
-          <ac:picMkLst>
-            <pc:docMk/>
-            <pc:sldMk cId="4106970128" sldId="257"/>
-            <ac:picMk id="6" creationId="{3A0ABCD9-A40C-0553-E3B3-21682A0AC3EE}"/>
-          </ac:picMkLst>
-        </pc:picChg>
-        <pc:picChg chg="add del">
-          <ac:chgData name="Tyler Mullins" userId="67d1934c-3513-40f7-b2c8-5696410f3a0e" providerId="ADAL" clId="{249A8034-0E72-4DD4-AC7A-A9846367B98E}" dt="2025-09-28T19:04:14.621" v="742" actId="478"/>
-          <ac:picMkLst>
-            <pc:docMk/>
-            <pc:sldMk cId="4106970128" sldId="257"/>
-            <ac:picMk id="14" creationId="{242F9DB4-A94E-419D-16D6-32B0A5AE42F4}"/>
-          </ac:picMkLst>
-        </pc:picChg>
-        <pc:cxnChg chg="add del">
-          <ac:chgData name="Tyler Mullins" userId="67d1934c-3513-40f7-b2c8-5696410f3a0e" providerId="ADAL" clId="{249A8034-0E72-4DD4-AC7A-A9846367B98E}" dt="2025-09-28T19:04:01.464" v="740" actId="26606"/>
-          <ac:cxnSpMkLst>
-            <pc:docMk/>
-            <pc:sldMk cId="4106970128" sldId="257"/>
-            <ac:cxnSpMk id="11" creationId="{B9C96FDC-E4C2-7D8A-44BA-572E7CD9E899}"/>
-          </ac:cxnSpMkLst>
-        </pc:cxnChg>
-        <pc:cxnChg chg="add del">
-          <ac:chgData name="Tyler Mullins" userId="67d1934c-3513-40f7-b2c8-5696410f3a0e" providerId="ADAL" clId="{249A8034-0E72-4DD4-AC7A-A9846367B98E}" dt="2025-09-28T19:05:51.250" v="749" actId="26606"/>
-          <ac:cxnSpMkLst>
-            <pc:docMk/>
-            <pc:sldMk cId="4106970128" sldId="257"/>
-            <ac:cxnSpMk id="15" creationId="{691422F5-4221-4812-AFD9-5479C6D60AD9}"/>
-          </ac:cxnSpMkLst>
-        </pc:cxnChg>
-        <pc:cxnChg chg="add del">
-          <ac:chgData name="Tyler Mullins" userId="67d1934c-3513-40f7-b2c8-5696410f3a0e" providerId="ADAL" clId="{249A8034-0E72-4DD4-AC7A-A9846367B98E}" dt="2025-09-28T19:05:51.235" v="748" actId="26606"/>
-          <ac:cxnSpMkLst>
-            <pc:docMk/>
-            <pc:sldMk cId="4106970128" sldId="257"/>
-            <ac:cxnSpMk id="23" creationId="{2EA0F4A6-3CC9-C9E2-BA02-58FA29F7DD8E}"/>
-          </ac:cxnSpMkLst>
-        </pc:cxnChg>
-        <pc:cxnChg chg="add">
-          <ac:chgData name="Tyler Mullins" userId="67d1934c-3513-40f7-b2c8-5696410f3a0e" providerId="ADAL" clId="{249A8034-0E72-4DD4-AC7A-A9846367B98E}" dt="2025-09-28T19:05:51.250" v="749" actId="26606"/>
-          <ac:cxnSpMkLst>
-            <pc:docMk/>
-            <pc:sldMk cId="4106970128" sldId="257"/>
-            <ac:cxnSpMk id="26" creationId="{40BBF191-9CC8-4313-B1CA-8DF1A53AE4F9}"/>
-          </ac:cxnSpMkLst>
-        </pc:cxnChg>
-      </pc:sldChg>
-      <pc:sldChg chg="modSp add mod">
-        <pc:chgData name="Tyler Mullins" userId="67d1934c-3513-40f7-b2c8-5696410f3a0e" providerId="ADAL" clId="{249A8034-0E72-4DD4-AC7A-A9846367B98E}" dt="2025-09-24T16:26:52.845" v="36" actId="20577"/>
-        <pc:sldMkLst>
-          <pc:docMk/>
-          <pc:sldMk cId="2851432302" sldId="258"/>
-        </pc:sldMkLst>
-        <pc:spChg chg="mod">
-          <ac:chgData name="Tyler Mullins" userId="67d1934c-3513-40f7-b2c8-5696410f3a0e" providerId="ADAL" clId="{249A8034-0E72-4DD4-AC7A-A9846367B98E}" dt="2025-09-24T16:26:52.845" v="36" actId="20577"/>
-          <ac:spMkLst>
-            <pc:docMk/>
-            <pc:sldMk cId="2851432302" sldId="258"/>
-            <ac:spMk id="2" creationId="{E07A9B72-951A-F1F4-D0FA-CFDEBD3F5DF6}"/>
-          </ac:spMkLst>
-        </pc:spChg>
-      </pc:sldChg>
-      <pc:sldChg chg="addSp delSp modSp add mod setBg">
-        <pc:chgData name="Tyler Mullins" userId="67d1934c-3513-40f7-b2c8-5696410f3a0e" providerId="ADAL" clId="{249A8034-0E72-4DD4-AC7A-A9846367B98E}" dt="2025-09-28T18:58:41.961" v="624" actId="21"/>
-        <pc:sldMkLst>
-          <pc:docMk/>
-          <pc:sldMk cId="752305589" sldId="259"/>
-        </pc:sldMkLst>
-        <pc:spChg chg="mod">
-          <ac:chgData name="Tyler Mullins" userId="67d1934c-3513-40f7-b2c8-5696410f3a0e" providerId="ADAL" clId="{249A8034-0E72-4DD4-AC7A-A9846367B98E}" dt="2025-09-28T18:57:19.745" v="617" actId="26606"/>
-          <ac:spMkLst>
-            <pc:docMk/>
-            <pc:sldMk cId="752305589" sldId="259"/>
-            <ac:spMk id="2" creationId="{2C49AC35-7E19-59BE-EFD5-B04D8F6DF627}"/>
-          </ac:spMkLst>
-        </pc:spChg>
-        <pc:spChg chg="mod">
-          <ac:chgData name="Tyler Mullins" userId="67d1934c-3513-40f7-b2c8-5696410f3a0e" providerId="ADAL" clId="{249A8034-0E72-4DD4-AC7A-A9846367B98E}" dt="2025-09-28T18:57:19.745" v="617" actId="26606"/>
-          <ac:spMkLst>
-            <pc:docMk/>
-            <pc:sldMk cId="752305589" sldId="259"/>
-            <ac:spMk id="3" creationId="{8FCCC3A7-BC35-6BAB-A119-FD566D492066}"/>
-          </ac:spMkLst>
-        </pc:spChg>
-        <pc:spChg chg="add del mod">
-          <ac:chgData name="Tyler Mullins" userId="67d1934c-3513-40f7-b2c8-5696410f3a0e" providerId="ADAL" clId="{249A8034-0E72-4DD4-AC7A-A9846367B98E}" dt="2025-09-28T18:58:41.961" v="624" actId="21"/>
-          <ac:spMkLst>
-            <pc:docMk/>
-            <pc:sldMk cId="752305589" sldId="259"/>
-            <ac:spMk id="8" creationId="{3DAA0A8E-5F74-410E-FC25-301172C6F1B4}"/>
-          </ac:spMkLst>
-        </pc:spChg>
-        <pc:spChg chg="add del">
-          <ac:chgData name="Tyler Mullins" userId="67d1934c-3513-40f7-b2c8-5696410f3a0e" providerId="ADAL" clId="{249A8034-0E72-4DD4-AC7A-A9846367B98E}" dt="2025-09-28T18:58:33.167" v="622" actId="26606"/>
-          <ac:spMkLst>
-            <pc:docMk/>
-            <pc:sldMk cId="752305589" sldId="259"/>
-            <ac:spMk id="10" creationId="{744CAA32-F237-419C-A2DD-43C28D920D3C}"/>
-          </ac:spMkLst>
-        </pc:spChg>
-        <pc:spChg chg="add">
-          <ac:chgData name="Tyler Mullins" userId="67d1934c-3513-40f7-b2c8-5696410f3a0e" providerId="ADAL" clId="{249A8034-0E72-4DD4-AC7A-A9846367B98E}" dt="2025-09-28T18:58:33.167" v="622" actId="26606"/>
-          <ac:spMkLst>
-            <pc:docMk/>
-            <pc:sldMk cId="752305589" sldId="259"/>
-            <ac:spMk id="17" creationId="{744CAA32-F237-419C-A2DD-43C28D920D3C}"/>
-          </ac:spMkLst>
-        </pc:spChg>
-        <pc:picChg chg="add del mod">
-          <ac:chgData name="Tyler Mullins" userId="67d1934c-3513-40f7-b2c8-5696410f3a0e" providerId="ADAL" clId="{249A8034-0E72-4DD4-AC7A-A9846367B98E}" dt="2025-09-28T18:57:27.661" v="618" actId="478"/>
-          <ac:picMkLst>
-            <pc:docMk/>
-            <pc:sldMk cId="752305589" sldId="259"/>
-            <ac:picMk id="5" creationId="{392C94A1-83C5-ABCC-B326-4B1615773DB2}"/>
-          </ac:picMkLst>
-        </pc:picChg>
-        <pc:picChg chg="add mod">
-          <ac:chgData name="Tyler Mullins" userId="67d1934c-3513-40f7-b2c8-5696410f3a0e" providerId="ADAL" clId="{249A8034-0E72-4DD4-AC7A-A9846367B98E}" dt="2025-09-28T18:58:33.167" v="622" actId="26606"/>
-          <ac:picMkLst>
-            <pc:docMk/>
-            <pc:sldMk cId="752305589" sldId="259"/>
-            <ac:picMk id="7" creationId="{A73CFB26-B8DC-C343-5E02-1C25C773A9E5}"/>
-          </ac:picMkLst>
-        </pc:picChg>
-        <pc:cxnChg chg="add del">
-          <ac:chgData name="Tyler Mullins" userId="67d1934c-3513-40f7-b2c8-5696410f3a0e" providerId="ADAL" clId="{249A8034-0E72-4DD4-AC7A-A9846367B98E}" dt="2025-09-28T18:58:33.167" v="622" actId="26606"/>
-          <ac:cxnSpMkLst>
-            <pc:docMk/>
-            <pc:sldMk cId="752305589" sldId="259"/>
-            <ac:cxnSpMk id="12" creationId="{753FE100-D0AB-4AE2-824B-60CFA31EC6A2}"/>
-          </ac:cxnSpMkLst>
-        </pc:cxnChg>
-        <pc:cxnChg chg="add">
-          <ac:chgData name="Tyler Mullins" userId="67d1934c-3513-40f7-b2c8-5696410f3a0e" providerId="ADAL" clId="{249A8034-0E72-4DD4-AC7A-A9846367B98E}" dt="2025-09-28T18:58:33.167" v="622" actId="26606"/>
-          <ac:cxnSpMkLst>
-            <pc:docMk/>
-            <pc:sldMk cId="752305589" sldId="259"/>
-            <ac:cxnSpMk id="19" creationId="{753FE100-D0AB-4AE2-824B-60CFA31EC6A2}"/>
-          </ac:cxnSpMkLst>
-        </pc:cxnChg>
-      </pc:sldChg>
-      <pc:sldChg chg="addSp modSp add mod setBg">
-        <pc:chgData name="Tyler Mullins" userId="67d1934c-3513-40f7-b2c8-5696410f3a0e" providerId="ADAL" clId="{249A8034-0E72-4DD4-AC7A-A9846367B98E}" dt="2025-09-28T18:56:38.536" v="613" actId="26606"/>
-        <pc:sldMkLst>
-          <pc:docMk/>
-          <pc:sldMk cId="3164159322" sldId="260"/>
-        </pc:sldMkLst>
-        <pc:spChg chg="mod">
-          <ac:chgData name="Tyler Mullins" userId="67d1934c-3513-40f7-b2c8-5696410f3a0e" providerId="ADAL" clId="{249A8034-0E72-4DD4-AC7A-A9846367B98E}" dt="2025-09-28T18:56:38.536" v="613" actId="26606"/>
-          <ac:spMkLst>
-            <pc:docMk/>
-            <pc:sldMk cId="3164159322" sldId="260"/>
-            <ac:spMk id="2" creationId="{9AD9CF42-228E-F675-402C-994D37A4C1F0}"/>
-          </ac:spMkLst>
-        </pc:spChg>
-        <pc:spChg chg="mod">
-          <ac:chgData name="Tyler Mullins" userId="67d1934c-3513-40f7-b2c8-5696410f3a0e" providerId="ADAL" clId="{249A8034-0E72-4DD4-AC7A-A9846367B98E}" dt="2025-09-28T18:56:38.536" v="613" actId="26606"/>
-          <ac:spMkLst>
-            <pc:docMk/>
-            <pc:sldMk cId="3164159322" sldId="260"/>
-            <ac:spMk id="3" creationId="{89258380-49FC-B84C-8741-9D0C99A61EFA}"/>
-          </ac:spMkLst>
-        </pc:spChg>
-        <pc:spChg chg="add">
-          <ac:chgData name="Tyler Mullins" userId="67d1934c-3513-40f7-b2c8-5696410f3a0e" providerId="ADAL" clId="{249A8034-0E72-4DD4-AC7A-A9846367B98E}" dt="2025-09-28T18:56:38.536" v="613" actId="26606"/>
-          <ac:spMkLst>
-            <pc:docMk/>
-            <pc:sldMk cId="3164159322" sldId="260"/>
-            <ac:spMk id="10" creationId="{744CAA32-F237-419C-A2DD-43C28D920D3C}"/>
-          </ac:spMkLst>
-        </pc:spChg>
-        <pc:picChg chg="add mod">
-          <ac:chgData name="Tyler Mullins" userId="67d1934c-3513-40f7-b2c8-5696410f3a0e" providerId="ADAL" clId="{249A8034-0E72-4DD4-AC7A-A9846367B98E}" dt="2025-09-28T18:56:38.536" v="613" actId="26606"/>
-          <ac:picMkLst>
-            <pc:docMk/>
-            <pc:sldMk cId="3164159322" sldId="260"/>
-            <ac:picMk id="5" creationId="{8E3B7940-DC7D-5C08-FA2D-007070A43A4D}"/>
-          </ac:picMkLst>
-        </pc:picChg>
-        <pc:cxnChg chg="add">
-          <ac:chgData name="Tyler Mullins" userId="67d1934c-3513-40f7-b2c8-5696410f3a0e" providerId="ADAL" clId="{249A8034-0E72-4DD4-AC7A-A9846367B98E}" dt="2025-09-28T18:56:38.536" v="613" actId="26606"/>
-          <ac:cxnSpMkLst>
-            <pc:docMk/>
-            <pc:sldMk cId="3164159322" sldId="260"/>
-            <ac:cxnSpMk id="12" creationId="{753FE100-D0AB-4AE2-824B-60CFA31EC6A2}"/>
-          </ac:cxnSpMkLst>
-        </pc:cxnChg>
-      </pc:sldChg>
-      <pc:sldChg chg="addSp delSp modSp add mod setBg">
-        <pc:chgData name="Tyler Mullins" userId="67d1934c-3513-40f7-b2c8-5696410f3a0e" providerId="ADAL" clId="{249A8034-0E72-4DD4-AC7A-A9846367B98E}" dt="2025-09-28T18:56:02.254" v="608" actId="26606"/>
-        <pc:sldMkLst>
-          <pc:docMk/>
-          <pc:sldMk cId="4104878181" sldId="261"/>
-        </pc:sldMkLst>
-        <pc:spChg chg="mod">
-          <ac:chgData name="Tyler Mullins" userId="67d1934c-3513-40f7-b2c8-5696410f3a0e" providerId="ADAL" clId="{249A8034-0E72-4DD4-AC7A-A9846367B98E}" dt="2025-09-28T18:56:02.254" v="608" actId="26606"/>
-          <ac:spMkLst>
-            <pc:docMk/>
-            <pc:sldMk cId="4104878181" sldId="261"/>
-            <ac:spMk id="2" creationId="{E2162BAD-8986-19B6-CB98-B1A7022A05E6}"/>
-          </ac:spMkLst>
-        </pc:spChg>
-        <pc:spChg chg="mod">
-          <ac:chgData name="Tyler Mullins" userId="67d1934c-3513-40f7-b2c8-5696410f3a0e" providerId="ADAL" clId="{249A8034-0E72-4DD4-AC7A-A9846367B98E}" dt="2025-09-28T18:56:02.254" v="608" actId="26606"/>
-          <ac:spMkLst>
-            <pc:docMk/>
-            <pc:sldMk cId="4104878181" sldId="261"/>
-            <ac:spMk id="3" creationId="{CA1990EE-F740-336C-82CC-5BC04007BE21}"/>
-          </ac:spMkLst>
-        </pc:spChg>
-        <pc:spChg chg="add del mod">
-          <ac:chgData name="Tyler Mullins" userId="67d1934c-3513-40f7-b2c8-5696410f3a0e" providerId="ADAL" clId="{249A8034-0E72-4DD4-AC7A-A9846367B98E}" dt="2025-09-28T18:55:57.167" v="605" actId="931"/>
-          <ac:spMkLst>
-            <pc:docMk/>
-            <pc:sldMk cId="4104878181" sldId="261"/>
-            <ac:spMk id="6" creationId="{60031AFF-7353-A79B-DE87-B3E3AE58D639}"/>
-          </ac:spMkLst>
-        </pc:spChg>
-        <pc:spChg chg="add del">
-          <ac:chgData name="Tyler Mullins" userId="67d1934c-3513-40f7-b2c8-5696410f3a0e" providerId="ADAL" clId="{249A8034-0E72-4DD4-AC7A-A9846367B98E}" dt="2025-09-28T18:56:02.254" v="608" actId="26606"/>
-          <ac:spMkLst>
-            <pc:docMk/>
-            <pc:sldMk cId="4104878181" sldId="261"/>
-            <ac:spMk id="12" creationId="{CFD1D2CD-954D-4C4D-B505-05EAD159B230}"/>
-          </ac:spMkLst>
-        </pc:spChg>
-        <pc:spChg chg="add">
-          <ac:chgData name="Tyler Mullins" userId="67d1934c-3513-40f7-b2c8-5696410f3a0e" providerId="ADAL" clId="{249A8034-0E72-4DD4-AC7A-A9846367B98E}" dt="2025-09-28T18:56:02.254" v="608" actId="26606"/>
-          <ac:spMkLst>
-            <pc:docMk/>
-            <pc:sldMk cId="4104878181" sldId="261"/>
-            <ac:spMk id="19" creationId="{744CAA32-F237-419C-A2DD-43C28D920D3C}"/>
-          </ac:spMkLst>
-        </pc:spChg>
-        <pc:picChg chg="add del mod">
-          <ac:chgData name="Tyler Mullins" userId="67d1934c-3513-40f7-b2c8-5696410f3a0e" providerId="ADAL" clId="{249A8034-0E72-4DD4-AC7A-A9846367B98E}" dt="2025-09-28T18:55:49.508" v="604" actId="478"/>
-          <ac:picMkLst>
-            <pc:docMk/>
-            <pc:sldMk cId="4104878181" sldId="261"/>
-            <ac:picMk id="5" creationId="{C0BCFB0A-D5BB-37F3-1E3A-669E2DAA27F8}"/>
-          </ac:picMkLst>
-        </pc:picChg>
-        <pc:picChg chg="add mod">
-          <ac:chgData name="Tyler Mullins" userId="67d1934c-3513-40f7-b2c8-5696410f3a0e" providerId="ADAL" clId="{249A8034-0E72-4DD4-AC7A-A9846367B98E}" dt="2025-09-28T18:56:02.254" v="608" actId="26606"/>
-          <ac:picMkLst>
-            <pc:docMk/>
-            <pc:sldMk cId="4104878181" sldId="261"/>
-            <ac:picMk id="8" creationId="{5FE591A8-4630-2091-5DB4-EBFC81A2E7E1}"/>
-          </ac:picMkLst>
-        </pc:picChg>
-        <pc:cxnChg chg="add del">
-          <ac:chgData name="Tyler Mullins" userId="67d1934c-3513-40f7-b2c8-5696410f3a0e" providerId="ADAL" clId="{249A8034-0E72-4DD4-AC7A-A9846367B98E}" dt="2025-09-28T18:56:02.254" v="608" actId="26606"/>
-          <ac:cxnSpMkLst>
-            <pc:docMk/>
-            <pc:sldMk cId="4104878181" sldId="261"/>
-            <ac:cxnSpMk id="10" creationId="{118E06E4-607B-144B-382B-AD3D06B1EE8C}"/>
-          </ac:cxnSpMkLst>
-        </pc:cxnChg>
-        <pc:cxnChg chg="add del">
-          <ac:chgData name="Tyler Mullins" userId="67d1934c-3513-40f7-b2c8-5696410f3a0e" providerId="ADAL" clId="{249A8034-0E72-4DD4-AC7A-A9846367B98E}" dt="2025-09-28T18:56:02.254" v="608" actId="26606"/>
-          <ac:cxnSpMkLst>
-            <pc:docMk/>
-            <pc:sldMk cId="4104878181" sldId="261"/>
-            <ac:cxnSpMk id="14" creationId="{D132AEA7-A24A-45A9-BF8F-D0AFF34DF68C}"/>
-          </ac:cxnSpMkLst>
-        </pc:cxnChg>
-        <pc:cxnChg chg="add">
-          <ac:chgData name="Tyler Mullins" userId="67d1934c-3513-40f7-b2c8-5696410f3a0e" providerId="ADAL" clId="{249A8034-0E72-4DD4-AC7A-A9846367B98E}" dt="2025-09-28T18:56:02.254" v="608" actId="26606"/>
-          <ac:cxnSpMkLst>
-            <pc:docMk/>
-            <pc:sldMk cId="4104878181" sldId="261"/>
-            <ac:cxnSpMk id="21" creationId="{753FE100-D0AB-4AE2-824B-60CFA31EC6A2}"/>
-          </ac:cxnSpMkLst>
-        </pc:cxnChg>
-      </pc:sldChg>
-      <pc:sldChg chg="modSp add mod">
-        <pc:chgData name="Tyler Mullins" userId="67d1934c-3513-40f7-b2c8-5696410f3a0e" providerId="ADAL" clId="{249A8034-0E72-4DD4-AC7A-A9846367B98E}" dt="2025-09-24T16:27:15.560" v="81" actId="20577"/>
-        <pc:sldMkLst>
-          <pc:docMk/>
-          <pc:sldMk cId="286171125" sldId="262"/>
-        </pc:sldMkLst>
-        <pc:spChg chg="mod">
-          <ac:chgData name="Tyler Mullins" userId="67d1934c-3513-40f7-b2c8-5696410f3a0e" providerId="ADAL" clId="{249A8034-0E72-4DD4-AC7A-A9846367B98E}" dt="2025-09-24T16:27:15.560" v="81" actId="20577"/>
-          <ac:spMkLst>
-            <pc:docMk/>
-            <pc:sldMk cId="286171125" sldId="262"/>
-            <ac:spMk id="2" creationId="{7E2112AE-86A5-64DA-BD96-2E3D6CDC94EE}"/>
-          </ac:spMkLst>
-        </pc:spChg>
-      </pc:sldChg>
-      <pc:sldChg chg="addSp modSp add mod setBg">
-        <pc:chgData name="Tyler Mullins" userId="67d1934c-3513-40f7-b2c8-5696410f3a0e" providerId="ADAL" clId="{249A8034-0E72-4DD4-AC7A-A9846367B98E}" dt="2025-09-28T19:00:28.904" v="627" actId="26606"/>
-        <pc:sldMkLst>
-          <pc:docMk/>
-          <pc:sldMk cId="2327509689" sldId="263"/>
-        </pc:sldMkLst>
-        <pc:spChg chg="mod">
-          <ac:chgData name="Tyler Mullins" userId="67d1934c-3513-40f7-b2c8-5696410f3a0e" providerId="ADAL" clId="{249A8034-0E72-4DD4-AC7A-A9846367B98E}" dt="2025-09-28T19:00:28.904" v="627" actId="26606"/>
-          <ac:spMkLst>
-            <pc:docMk/>
-            <pc:sldMk cId="2327509689" sldId="263"/>
-            <ac:spMk id="2" creationId="{8AFD11D5-3490-906B-0234-9CC323A3F5D8}"/>
-          </ac:spMkLst>
-        </pc:spChg>
-        <pc:spChg chg="mod ord">
-          <ac:chgData name="Tyler Mullins" userId="67d1934c-3513-40f7-b2c8-5696410f3a0e" providerId="ADAL" clId="{249A8034-0E72-4DD4-AC7A-A9846367B98E}" dt="2025-09-28T19:00:28.904" v="627" actId="26606"/>
-          <ac:spMkLst>
-            <pc:docMk/>
-            <pc:sldMk cId="2327509689" sldId="263"/>
-            <ac:spMk id="3" creationId="{203FE841-685C-D80B-97F0-D64F5D869D01}"/>
-          </ac:spMkLst>
-        </pc:spChg>
-        <pc:spChg chg="add">
-          <ac:chgData name="Tyler Mullins" userId="67d1934c-3513-40f7-b2c8-5696410f3a0e" providerId="ADAL" clId="{249A8034-0E72-4DD4-AC7A-A9846367B98E}" dt="2025-09-28T19:00:28.904" v="627" actId="26606"/>
-          <ac:spMkLst>
-            <pc:docMk/>
-            <pc:sldMk cId="2327509689" sldId="263"/>
-            <ac:spMk id="9" creationId="{744CAA32-F237-419C-A2DD-43C28D920D3C}"/>
-          </ac:spMkLst>
-        </pc:spChg>
-        <pc:picChg chg="add mod">
-          <ac:chgData name="Tyler Mullins" userId="67d1934c-3513-40f7-b2c8-5696410f3a0e" providerId="ADAL" clId="{249A8034-0E72-4DD4-AC7A-A9846367B98E}" dt="2025-09-28T19:00:28.904" v="627" actId="26606"/>
-          <ac:picMkLst>
-            <pc:docMk/>
-            <pc:sldMk cId="2327509689" sldId="263"/>
-            <ac:picMk id="4" creationId="{DD186079-65CD-2E45-44E4-89C4948BFE4F}"/>
-          </ac:picMkLst>
-        </pc:picChg>
-        <pc:cxnChg chg="add">
-          <ac:chgData name="Tyler Mullins" userId="67d1934c-3513-40f7-b2c8-5696410f3a0e" providerId="ADAL" clId="{249A8034-0E72-4DD4-AC7A-A9846367B98E}" dt="2025-09-28T19:00:28.904" v="627" actId="26606"/>
-          <ac:cxnSpMkLst>
-            <pc:docMk/>
-            <pc:sldMk cId="2327509689" sldId="263"/>
-            <ac:cxnSpMk id="11" creationId="{753FE100-D0AB-4AE2-824B-60CFA31EC6A2}"/>
-          </ac:cxnSpMkLst>
-        </pc:cxnChg>
-      </pc:sldChg>
-      <pc:sldChg chg="addSp delSp modSp add mod setBg">
-        <pc:chgData name="Tyler Mullins" userId="67d1934c-3513-40f7-b2c8-5696410f3a0e" providerId="ADAL" clId="{249A8034-0E72-4DD4-AC7A-A9846367B98E}" dt="2025-09-28T19:01:05.121" v="657" actId="14100"/>
-        <pc:sldMkLst>
-          <pc:docMk/>
-          <pc:sldMk cId="1279017223" sldId="264"/>
-        </pc:sldMkLst>
-        <pc:spChg chg="mod">
-          <ac:chgData name="Tyler Mullins" userId="67d1934c-3513-40f7-b2c8-5696410f3a0e" providerId="ADAL" clId="{249A8034-0E72-4DD4-AC7A-A9846367B98E}" dt="2025-09-28T19:01:05.121" v="657" actId="14100"/>
-          <ac:spMkLst>
-            <pc:docMk/>
-            <pc:sldMk cId="1279017223" sldId="264"/>
-            <ac:spMk id="2" creationId="{17083388-7335-570D-7495-C46245748DCB}"/>
-          </ac:spMkLst>
-        </pc:spChg>
-        <pc:spChg chg="add">
-          <ac:chgData name="Tyler Mullins" userId="67d1934c-3513-40f7-b2c8-5696410f3a0e" providerId="ADAL" clId="{249A8034-0E72-4DD4-AC7A-A9846367B98E}" dt="2025-09-24T16:43:34.972" v="299" actId="26606"/>
-          <ac:spMkLst>
-            <pc:docMk/>
-            <pc:sldMk cId="1279017223" sldId="264"/>
-            <ac:spMk id="18" creationId="{19F9BF86-FE94-4517-B97D-026C7515E589}"/>
-          </ac:spMkLst>
-        </pc:spChg>
-        <pc:picChg chg="add mod">
-          <ac:chgData name="Tyler Mullins" userId="67d1934c-3513-40f7-b2c8-5696410f3a0e" providerId="ADAL" clId="{249A8034-0E72-4DD4-AC7A-A9846367B98E}" dt="2025-09-24T16:43:34.972" v="299" actId="26606"/>
-          <ac:picMkLst>
-            <pc:docMk/>
-            <pc:sldMk cId="1279017223" sldId="264"/>
-            <ac:picMk id="5" creationId="{28E4B669-96D1-5527-1128-15D0A7D0E1CE}"/>
-          </ac:picMkLst>
-        </pc:picChg>
-        <pc:cxnChg chg="add">
-          <ac:chgData name="Tyler Mullins" userId="67d1934c-3513-40f7-b2c8-5696410f3a0e" providerId="ADAL" clId="{249A8034-0E72-4DD4-AC7A-A9846367B98E}" dt="2025-09-24T16:43:34.972" v="299" actId="26606"/>
-          <ac:cxnSpMkLst>
-            <pc:docMk/>
-            <pc:sldMk cId="1279017223" sldId="264"/>
-            <ac:cxnSpMk id="17" creationId="{118E06E4-607B-144B-382B-AD3D06B1EE8C}"/>
-          </ac:cxnSpMkLst>
-        </pc:cxnChg>
-        <pc:cxnChg chg="add">
-          <ac:chgData name="Tyler Mullins" userId="67d1934c-3513-40f7-b2c8-5696410f3a0e" providerId="ADAL" clId="{249A8034-0E72-4DD4-AC7A-A9846367B98E}" dt="2025-09-24T16:43:34.972" v="299" actId="26606"/>
-          <ac:cxnSpMkLst>
-            <pc:docMk/>
-            <pc:sldMk cId="1279017223" sldId="264"/>
-            <ac:cxnSpMk id="19" creationId="{87534CB3-4CA5-DDD2-D519-C4A714A689D2}"/>
-          </ac:cxnSpMkLst>
-        </pc:cxnChg>
-      </pc:sldChg>
-      <pc:sldChg chg="addSp modSp add mod ord">
-        <pc:chgData name="Tyler Mullins" userId="67d1934c-3513-40f7-b2c8-5696410f3a0e" providerId="ADAL" clId="{249A8034-0E72-4DD4-AC7A-A9846367B98E}" dt="2025-09-28T19:03:23.371" v="738" actId="1076"/>
-        <pc:sldMkLst>
-          <pc:docMk/>
-          <pc:sldMk cId="52061838" sldId="265"/>
-        </pc:sldMkLst>
-        <pc:spChg chg="mod">
-          <ac:chgData name="Tyler Mullins" userId="67d1934c-3513-40f7-b2c8-5696410f3a0e" providerId="ADAL" clId="{249A8034-0E72-4DD4-AC7A-A9846367B98E}" dt="2025-09-24T16:32:58.804" v="155" actId="20577"/>
-          <ac:spMkLst>
-            <pc:docMk/>
-            <pc:sldMk cId="52061838" sldId="265"/>
-            <ac:spMk id="2" creationId="{A2BEB8FE-C435-2F90-1A7A-7B976412B803}"/>
-          </ac:spMkLst>
-        </pc:spChg>
-        <pc:spChg chg="mod">
-          <ac:chgData name="Tyler Mullins" userId="67d1934c-3513-40f7-b2c8-5696410f3a0e" providerId="ADAL" clId="{249A8034-0E72-4DD4-AC7A-A9846367B98E}" dt="2025-09-28T19:02:38.325" v="733" actId="20577"/>
-          <ac:spMkLst>
-            <pc:docMk/>
-            <pc:sldMk cId="52061838" sldId="265"/>
-            <ac:spMk id="3" creationId="{900F228B-23C9-F7D3-07D3-0279B0250339}"/>
-          </ac:spMkLst>
-        </pc:spChg>
-        <pc:picChg chg="add mod">
-          <ac:chgData name="Tyler Mullins" userId="67d1934c-3513-40f7-b2c8-5696410f3a0e" providerId="ADAL" clId="{249A8034-0E72-4DD4-AC7A-A9846367B98E}" dt="2025-09-28T19:03:23.371" v="738" actId="1076"/>
-          <ac:picMkLst>
-            <pc:docMk/>
-            <pc:sldMk cId="52061838" sldId="265"/>
-            <ac:picMk id="6" creationId="{B8AFA550-D9E9-2E1E-1B7E-0FE7D0EF296F}"/>
-          </ac:picMkLst>
-        </pc:picChg>
-      </pc:sldChg>
-      <pc:sldMasterChg chg="add addSldLayout">
-        <pc:chgData name="Tyler Mullins" userId="67d1934c-3513-40f7-b2c8-5696410f3a0e" providerId="ADAL" clId="{249A8034-0E72-4DD4-AC7A-A9846367B98E}" dt="2025-09-24T16:19:39.604" v="0" actId="26606"/>
-        <pc:sldMasterMkLst>
-          <pc:docMk/>
-          <pc:sldMasterMk cId="1728911039" sldId="2147483673"/>
-        </pc:sldMasterMkLst>
-        <pc:sldLayoutChg chg="add">
-          <pc:chgData name="Tyler Mullins" userId="67d1934c-3513-40f7-b2c8-5696410f3a0e" providerId="ADAL" clId="{249A8034-0E72-4DD4-AC7A-A9846367B98E}" dt="2025-09-24T16:19:39.604" v="0" actId="26606"/>
-          <pc:sldLayoutMkLst>
-            <pc:docMk/>
-            <pc:sldMasterMk cId="1728911039" sldId="2147483673"/>
-            <pc:sldLayoutMk cId="3790373759" sldId="2147483662"/>
-          </pc:sldLayoutMkLst>
-        </pc:sldLayoutChg>
-        <pc:sldLayoutChg chg="add">
-          <pc:chgData name="Tyler Mullins" userId="67d1934c-3513-40f7-b2c8-5696410f3a0e" providerId="ADAL" clId="{249A8034-0E72-4DD4-AC7A-A9846367B98E}" dt="2025-09-24T16:19:39.604" v="0" actId="26606"/>
-          <pc:sldLayoutMkLst>
-            <pc:docMk/>
-            <pc:sldMasterMk cId="1728911039" sldId="2147483673"/>
-            <pc:sldLayoutMk cId="1389740205" sldId="2147483663"/>
-          </pc:sldLayoutMkLst>
-        </pc:sldLayoutChg>
-        <pc:sldLayoutChg chg="add">
-          <pc:chgData name="Tyler Mullins" userId="67d1934c-3513-40f7-b2c8-5696410f3a0e" providerId="ADAL" clId="{249A8034-0E72-4DD4-AC7A-A9846367B98E}" dt="2025-09-24T16:19:39.604" v="0" actId="26606"/>
-          <pc:sldLayoutMkLst>
-            <pc:docMk/>
-            <pc:sldMasterMk cId="1728911039" sldId="2147483673"/>
-            <pc:sldLayoutMk cId="3301991185" sldId="2147483664"/>
-          </pc:sldLayoutMkLst>
-        </pc:sldLayoutChg>
-        <pc:sldLayoutChg chg="add">
-          <pc:chgData name="Tyler Mullins" userId="67d1934c-3513-40f7-b2c8-5696410f3a0e" providerId="ADAL" clId="{249A8034-0E72-4DD4-AC7A-A9846367B98E}" dt="2025-09-24T16:19:39.604" v="0" actId="26606"/>
-          <pc:sldLayoutMkLst>
-            <pc:docMk/>
-            <pc:sldMasterMk cId="1728911039" sldId="2147483673"/>
-            <pc:sldLayoutMk cId="1705874669" sldId="2147483665"/>
-          </pc:sldLayoutMkLst>
-        </pc:sldLayoutChg>
-        <pc:sldLayoutChg chg="add">
-          <pc:chgData name="Tyler Mullins" userId="67d1934c-3513-40f7-b2c8-5696410f3a0e" providerId="ADAL" clId="{249A8034-0E72-4DD4-AC7A-A9846367B98E}" dt="2025-09-24T16:19:39.604" v="0" actId="26606"/>
-          <pc:sldLayoutMkLst>
-            <pc:docMk/>
-            <pc:sldMasterMk cId="1728911039" sldId="2147483673"/>
-            <pc:sldLayoutMk cId="311716230" sldId="2147483666"/>
-          </pc:sldLayoutMkLst>
-        </pc:sldLayoutChg>
-        <pc:sldLayoutChg chg="add">
-          <pc:chgData name="Tyler Mullins" userId="67d1934c-3513-40f7-b2c8-5696410f3a0e" providerId="ADAL" clId="{249A8034-0E72-4DD4-AC7A-A9846367B98E}" dt="2025-09-24T16:19:39.604" v="0" actId="26606"/>
-          <pc:sldLayoutMkLst>
-            <pc:docMk/>
-            <pc:sldMasterMk cId="1728911039" sldId="2147483673"/>
-            <pc:sldLayoutMk cId="3920066157" sldId="2147483667"/>
-          </pc:sldLayoutMkLst>
-        </pc:sldLayoutChg>
-        <pc:sldLayoutChg chg="add">
-          <pc:chgData name="Tyler Mullins" userId="67d1934c-3513-40f7-b2c8-5696410f3a0e" providerId="ADAL" clId="{249A8034-0E72-4DD4-AC7A-A9846367B98E}" dt="2025-09-24T16:19:39.604" v="0" actId="26606"/>
-          <pc:sldLayoutMkLst>
-            <pc:docMk/>
-            <pc:sldMasterMk cId="1728911039" sldId="2147483673"/>
-            <pc:sldLayoutMk cId="1813966220" sldId="2147483668"/>
-          </pc:sldLayoutMkLst>
-        </pc:sldLayoutChg>
-        <pc:sldLayoutChg chg="add">
-          <pc:chgData name="Tyler Mullins" userId="67d1934c-3513-40f7-b2c8-5696410f3a0e" providerId="ADAL" clId="{249A8034-0E72-4DD4-AC7A-A9846367B98E}" dt="2025-09-24T16:19:39.604" v="0" actId="26606"/>
-          <pc:sldLayoutMkLst>
-            <pc:docMk/>
-            <pc:sldMasterMk cId="1728911039" sldId="2147483673"/>
-            <pc:sldLayoutMk cId="3828196390" sldId="2147483669"/>
-          </pc:sldLayoutMkLst>
-        </pc:sldLayoutChg>
-        <pc:sldLayoutChg chg="add">
-          <pc:chgData name="Tyler Mullins" userId="67d1934c-3513-40f7-b2c8-5696410f3a0e" providerId="ADAL" clId="{249A8034-0E72-4DD4-AC7A-A9846367B98E}" dt="2025-09-24T16:19:39.604" v="0" actId="26606"/>
-          <pc:sldLayoutMkLst>
-            <pc:docMk/>
-            <pc:sldMasterMk cId="1728911039" sldId="2147483673"/>
-            <pc:sldLayoutMk cId="3664956638" sldId="2147483670"/>
-          </pc:sldLayoutMkLst>
-        </pc:sldLayoutChg>
-        <pc:sldLayoutChg chg="add">
-          <pc:chgData name="Tyler Mullins" userId="67d1934c-3513-40f7-b2c8-5696410f3a0e" providerId="ADAL" clId="{249A8034-0E72-4DD4-AC7A-A9846367B98E}" dt="2025-09-24T16:19:39.604" v="0" actId="26606"/>
-          <pc:sldLayoutMkLst>
-            <pc:docMk/>
-            <pc:sldMasterMk cId="1728911039" sldId="2147483673"/>
-            <pc:sldLayoutMk cId="194377797" sldId="2147483671"/>
-          </pc:sldLayoutMkLst>
-        </pc:sldLayoutChg>
-        <pc:sldLayoutChg chg="add">
-          <pc:chgData name="Tyler Mullins" userId="67d1934c-3513-40f7-b2c8-5696410f3a0e" providerId="ADAL" clId="{249A8034-0E72-4DD4-AC7A-A9846367B98E}" dt="2025-09-24T16:19:39.604" v="0" actId="26606"/>
-          <pc:sldLayoutMkLst>
-            <pc:docMk/>
-            <pc:sldMasterMk cId="1728911039" sldId="2147483673"/>
-            <pc:sldLayoutMk cId="2714796014" sldId="2147483672"/>
-          </pc:sldLayoutMkLst>
-        </pc:sldLayoutChg>
-      </pc:sldMasterChg>
-    </pc:docChg>
-  </pc:docChgLst>
-</pc:chgInfo>
 </file>
 
 <file path=ppt/slideLayouts/slideLayout1.xml><?xml version="1.0" encoding="utf-8"?>
@@ -5028,6 +3895,41 @@
           </a:prstGeom>
         </p:spPr>
       </p:pic>
+      <p:sp>
+        <p:nvSpPr>
+          <p:cNvPr id="6" name="TextBox 5">
+            <a:extLst>
+              <a:ext uri="{FF2B5EF4-FFF2-40B4-BE49-F238E27FC236}">
+                <a16:creationId xmlns:a16="http://schemas.microsoft.com/office/drawing/2014/main" id="{619D04F3-7A79-7881-B25F-F6AFFFAEE309}"/>
+              </a:ext>
+            </a:extLst>
+          </p:cNvPr>
+          <p:cNvSpPr txBox="1"/>
+          <p:nvPr/>
+        </p:nvSpPr>
+        <p:spPr>
+          <a:xfrm>
+            <a:off x="9829799" y="6451600"/>
+            <a:ext cx="1337733" cy="276999"/>
+          </a:xfrm>
+          <a:prstGeom prst="rect">
+            <a:avLst/>
+          </a:prstGeom>
+          <a:noFill/>
+        </p:spPr>
+        <p:txBody>
+          <a:bodyPr wrap="square" rtlCol="0">
+            <a:spAutoFit/>
+          </a:bodyPr>
+          <a:lstStyle/>
+          <a:p>
+            <a:r>
+              <a:rPr lang="en-US" sz="1200" dirty="0"/>
+              <a:t>Caden R</a:t>
+            </a:r>
+          </a:p>
+        </p:txBody>
+      </p:sp>
     </p:spTree>
     <p:extLst>
       <p:ext uri="{BB962C8B-B14F-4D97-AF65-F5344CB8AC3E}">
@@ -5225,20 +4127,20 @@
           <a:lstStyle/>
           <a:p>
             <a:r>
-              <a:rPr lang="en-US" sz="4400"/>
+              <a:rPr lang="en-US" sz="4400" dirty="0"/>
               <a:t>Q &amp; A</a:t>
             </a:r>
             <a:br>
-              <a:rPr lang="en-US" sz="4400"/>
+              <a:rPr lang="en-US" sz="4400" dirty="0"/>
             </a:br>
             <a:br>
-              <a:rPr lang="en-US" sz="4400"/>
+              <a:rPr lang="en-US" sz="4400" dirty="0"/>
             </a:br>
             <a:r>
-              <a:rPr lang="en-US" sz="2400"/>
+              <a:rPr lang="en-US" sz="2400" dirty="0"/>
               <a:t>Any Comments/Questions?</a:t>
             </a:r>
-            <a:endParaRPr lang="en-US" sz="4400"/>
+            <a:endParaRPr lang="en-US" sz="4400" dirty="0"/>
           </a:p>
         </p:txBody>
       </p:sp>
@@ -5331,6 +4233,41 @@
           </a:fontRef>
         </p:style>
       </p:cxnSp>
+      <p:sp>
+        <p:nvSpPr>
+          <p:cNvPr id="3" name="TextBox 2">
+            <a:extLst>
+              <a:ext uri="{FF2B5EF4-FFF2-40B4-BE49-F238E27FC236}">
+                <a16:creationId xmlns:a16="http://schemas.microsoft.com/office/drawing/2014/main" id="{9B943E3A-92DB-81E0-D505-E119A8C495F6}"/>
+              </a:ext>
+            </a:extLst>
+          </p:cNvPr>
+          <p:cNvSpPr txBox="1"/>
+          <p:nvPr/>
+        </p:nvSpPr>
+        <p:spPr>
+          <a:xfrm>
+            <a:off x="9829799" y="6451600"/>
+            <a:ext cx="1337733" cy="276999"/>
+          </a:xfrm>
+          <a:prstGeom prst="rect">
+            <a:avLst/>
+          </a:prstGeom>
+          <a:noFill/>
+        </p:spPr>
+        <p:txBody>
+          <a:bodyPr wrap="square" rtlCol="0">
+            <a:spAutoFit/>
+          </a:bodyPr>
+          <a:lstStyle/>
+          <a:p>
+            <a:r>
+              <a:rPr lang="en-US" sz="1200" dirty="0"/>
+              <a:t>Tyler</a:t>
+            </a:r>
+          </a:p>
+        </p:txBody>
+      </p:sp>
     </p:spTree>
     <p:extLst>
       <p:ext uri="{BB962C8B-B14F-4D97-AF65-F5344CB8AC3E}">
@@ -5611,7 +4548,7 @@
               </a:lnSpc>
             </a:pPr>
             <a:r>
-              <a:rPr lang="en-US" sz="1700"/>
+              <a:rPr lang="en-US" sz="1700" dirty="0"/>
               <a:t>Caden R – I'm currently enrolled in a Data Science bootcamp</a:t>
             </a:r>
           </a:p>
@@ -5621,7 +4558,7 @@
                 <a:spcPct val="110000"/>
               </a:lnSpc>
             </a:pPr>
-            <a:endParaRPr lang="en-US" sz="1700"/>
+            <a:endParaRPr lang="en-US" sz="1700" dirty="0"/>
           </a:p>
           <a:p>
             <a:pPr>
@@ -5630,7 +4567,7 @@
               </a:lnSpc>
             </a:pPr>
             <a:r>
-              <a:rPr lang="en-US" sz="1700"/>
+              <a:rPr lang="en-US" sz="1700" dirty="0"/>
               <a:t>Caden G – I want to work on AI to help Humanity, not replace them.</a:t>
             </a:r>
           </a:p>
@@ -5640,7 +4577,7 @@
                 <a:spcPct val="110000"/>
               </a:lnSpc>
             </a:pPr>
-            <a:endParaRPr lang="en-US" sz="1700"/>
+            <a:endParaRPr lang="en-US" sz="1700" dirty="0"/>
           </a:p>
           <a:p>
             <a:pPr>
@@ -5649,7 +4586,7 @@
               </a:lnSpc>
             </a:pPr>
             <a:r>
-              <a:rPr lang="en-US" sz="1700"/>
+              <a:rPr lang="en-US" sz="1700" dirty="0"/>
               <a:t>Cole – I've been able to work on a Nuclear Reactor</a:t>
             </a:r>
           </a:p>
@@ -5659,7 +4596,7 @@
                 <a:spcPct val="110000"/>
               </a:lnSpc>
             </a:pPr>
-            <a:endParaRPr lang="en-US" sz="1700"/>
+            <a:endParaRPr lang="en-US" sz="1700" dirty="0"/>
           </a:p>
           <a:p>
             <a:pPr>
@@ -5668,7 +4605,7 @@
               </a:lnSpc>
             </a:pPr>
             <a:r>
-              <a:rPr lang="en-US" sz="1700"/>
+              <a:rPr lang="en-US" sz="1700" dirty="0"/>
               <a:t>Tyler – I’m currently working on bioinformatics undergraduate research</a:t>
             </a:r>
           </a:p>
@@ -5761,6 +4698,41 @@
           </a:prstGeom>
         </p:spPr>
       </p:pic>
+      <p:sp>
+        <p:nvSpPr>
+          <p:cNvPr id="7" name="TextBox 6">
+            <a:extLst>
+              <a:ext uri="{FF2B5EF4-FFF2-40B4-BE49-F238E27FC236}">
+                <a16:creationId xmlns:a16="http://schemas.microsoft.com/office/drawing/2014/main" id="{63C831C0-9AE3-56D2-1A62-11E1F5C04704}"/>
+              </a:ext>
+            </a:extLst>
+          </p:cNvPr>
+          <p:cNvSpPr txBox="1"/>
+          <p:nvPr/>
+        </p:nvSpPr>
+        <p:spPr>
+          <a:xfrm>
+            <a:off x="9689116" y="5328641"/>
+            <a:ext cx="1337733" cy="276999"/>
+          </a:xfrm>
+          <a:prstGeom prst="rect">
+            <a:avLst/>
+          </a:prstGeom>
+          <a:noFill/>
+        </p:spPr>
+        <p:txBody>
+          <a:bodyPr wrap="square" rtlCol="0">
+            <a:spAutoFit/>
+          </a:bodyPr>
+          <a:lstStyle/>
+          <a:p>
+            <a:r>
+              <a:rPr lang="en-US" sz="1200" dirty="0"/>
+              <a:t>Tyler</a:t>
+            </a:r>
+          </a:p>
+        </p:txBody>
+      </p:sp>
     </p:spTree>
     <p:extLst>
       <p:ext uri="{BB962C8B-B14F-4D97-AF65-F5344CB8AC3E}">
@@ -6046,6 +5018,41 @@
             <a:r>
               <a:rPr lang="en-US"/>
               <a:t>We will prioritize the celebrities' experience, which includes their ability to interact with each other and their fans.</a:t>
+            </a:r>
+          </a:p>
+        </p:txBody>
+      </p:sp>
+      <p:sp>
+        <p:nvSpPr>
+          <p:cNvPr id="7" name="TextBox 6">
+            <a:extLst>
+              <a:ext uri="{FF2B5EF4-FFF2-40B4-BE49-F238E27FC236}">
+                <a16:creationId xmlns:a16="http://schemas.microsoft.com/office/drawing/2014/main" id="{E5963EFE-8AAE-194A-0AC9-D41A9CA881B9}"/>
+              </a:ext>
+            </a:extLst>
+          </p:cNvPr>
+          <p:cNvSpPr txBox="1"/>
+          <p:nvPr/>
+        </p:nvSpPr>
+        <p:spPr>
+          <a:xfrm>
+            <a:off x="9829799" y="6451600"/>
+            <a:ext cx="1337733" cy="276999"/>
+          </a:xfrm>
+          <a:prstGeom prst="rect">
+            <a:avLst/>
+          </a:prstGeom>
+          <a:noFill/>
+        </p:spPr>
+        <p:txBody>
+          <a:bodyPr wrap="square" rtlCol="0">
+            <a:spAutoFit/>
+          </a:bodyPr>
+          <a:lstStyle/>
+          <a:p>
+            <a:r>
+              <a:rPr lang="en-US" sz="1200" dirty="0"/>
+              <a:t>Caden</a:t>
             </a:r>
           </a:p>
         </p:txBody>
@@ -6337,6 +5344,41 @@
           </a:prstGeom>
         </p:spPr>
       </p:pic>
+      <p:sp>
+        <p:nvSpPr>
+          <p:cNvPr id="5" name="TextBox 4">
+            <a:extLst>
+              <a:ext uri="{FF2B5EF4-FFF2-40B4-BE49-F238E27FC236}">
+                <a16:creationId xmlns:a16="http://schemas.microsoft.com/office/drawing/2014/main" id="{F3404D6A-11F0-D437-7743-F577916D7409}"/>
+              </a:ext>
+            </a:extLst>
+          </p:cNvPr>
+          <p:cNvSpPr txBox="1"/>
+          <p:nvPr/>
+        </p:nvSpPr>
+        <p:spPr>
+          <a:xfrm>
+            <a:off x="9829799" y="6451600"/>
+            <a:ext cx="1337733" cy="276999"/>
+          </a:xfrm>
+          <a:prstGeom prst="rect">
+            <a:avLst/>
+          </a:prstGeom>
+          <a:noFill/>
+        </p:spPr>
+        <p:txBody>
+          <a:bodyPr wrap="square" rtlCol="0">
+            <a:spAutoFit/>
+          </a:bodyPr>
+          <a:lstStyle/>
+          <a:p>
+            <a:r>
+              <a:rPr lang="en-US" sz="1200" dirty="0"/>
+              <a:t>Caden</a:t>
+            </a:r>
+          </a:p>
+        </p:txBody>
+      </p:sp>
     </p:spTree>
     <p:extLst>
       <p:ext uri="{BB962C8B-B14F-4D97-AF65-F5344CB8AC3E}">
@@ -6717,6 +5759,41 @@
           </a:prstGeom>
         </p:spPr>
       </p:pic>
+      <p:sp>
+        <p:nvSpPr>
+          <p:cNvPr id="9" name="TextBox 8">
+            <a:extLst>
+              <a:ext uri="{FF2B5EF4-FFF2-40B4-BE49-F238E27FC236}">
+                <a16:creationId xmlns:a16="http://schemas.microsoft.com/office/drawing/2014/main" id="{2C1EF9E8-2111-350F-843E-157BE1D52681}"/>
+              </a:ext>
+            </a:extLst>
+          </p:cNvPr>
+          <p:cNvSpPr txBox="1"/>
+          <p:nvPr/>
+        </p:nvSpPr>
+        <p:spPr>
+          <a:xfrm>
+            <a:off x="9829799" y="6451600"/>
+            <a:ext cx="1337733" cy="276999"/>
+          </a:xfrm>
+          <a:prstGeom prst="rect">
+            <a:avLst/>
+          </a:prstGeom>
+          <a:noFill/>
+        </p:spPr>
+        <p:txBody>
+          <a:bodyPr wrap="square" rtlCol="0">
+            <a:spAutoFit/>
+          </a:bodyPr>
+          <a:lstStyle/>
+          <a:p>
+            <a:r>
+              <a:rPr lang="en-US" sz="1200" dirty="0"/>
+              <a:t>Cole</a:t>
+            </a:r>
+          </a:p>
+        </p:txBody>
+      </p:sp>
     </p:spTree>
     <p:extLst>
       <p:ext uri="{BB962C8B-B14F-4D97-AF65-F5344CB8AC3E}">
@@ -7065,6 +6142,41 @@
           </a:prstGeom>
         </p:spPr>
       </p:pic>
+      <p:sp>
+        <p:nvSpPr>
+          <p:cNvPr id="6" name="TextBox 5">
+            <a:extLst>
+              <a:ext uri="{FF2B5EF4-FFF2-40B4-BE49-F238E27FC236}">
+                <a16:creationId xmlns:a16="http://schemas.microsoft.com/office/drawing/2014/main" id="{6A7D3F99-C16F-8C88-EB2B-804E2D518561}"/>
+              </a:ext>
+            </a:extLst>
+          </p:cNvPr>
+          <p:cNvSpPr txBox="1"/>
+          <p:nvPr/>
+        </p:nvSpPr>
+        <p:spPr>
+          <a:xfrm>
+            <a:off x="9829799" y="6451600"/>
+            <a:ext cx="1337733" cy="276999"/>
+          </a:xfrm>
+          <a:prstGeom prst="rect">
+            <a:avLst/>
+          </a:prstGeom>
+          <a:noFill/>
+        </p:spPr>
+        <p:txBody>
+          <a:bodyPr wrap="square" rtlCol="0">
+            <a:spAutoFit/>
+          </a:bodyPr>
+          <a:lstStyle/>
+          <a:p>
+            <a:r>
+              <a:rPr lang="en-US" sz="1200" dirty="0"/>
+              <a:t>Cole</a:t>
+            </a:r>
+          </a:p>
+        </p:txBody>
+      </p:sp>
     </p:spTree>
     <p:extLst>
       <p:ext uri="{BB962C8B-B14F-4D97-AF65-F5344CB8AC3E}">
@@ -7454,6 +6566,41 @@
           </a:prstGeom>
         </p:spPr>
       </p:pic>
+      <p:sp>
+        <p:nvSpPr>
+          <p:cNvPr id="9" name="TextBox 8">
+            <a:extLst>
+              <a:ext uri="{FF2B5EF4-FFF2-40B4-BE49-F238E27FC236}">
+                <a16:creationId xmlns:a16="http://schemas.microsoft.com/office/drawing/2014/main" id="{5D5A127C-AECD-FC2D-0FD7-7DC89B560CFE}"/>
+              </a:ext>
+            </a:extLst>
+          </p:cNvPr>
+          <p:cNvSpPr txBox="1"/>
+          <p:nvPr/>
+        </p:nvSpPr>
+        <p:spPr>
+          <a:xfrm>
+            <a:off x="9829799" y="6451600"/>
+            <a:ext cx="1337733" cy="276999"/>
+          </a:xfrm>
+          <a:prstGeom prst="rect">
+            <a:avLst/>
+          </a:prstGeom>
+          <a:noFill/>
+        </p:spPr>
+        <p:txBody>
+          <a:bodyPr wrap="square" rtlCol="0">
+            <a:spAutoFit/>
+          </a:bodyPr>
+          <a:lstStyle/>
+          <a:p>
+            <a:r>
+              <a:rPr lang="en-US" sz="1200" dirty="0"/>
+              <a:t>Tyler</a:t>
+            </a:r>
+          </a:p>
+        </p:txBody>
+      </p:sp>
     </p:spTree>
     <p:extLst>
       <p:ext uri="{BB962C8B-B14F-4D97-AF65-F5344CB8AC3E}">
@@ -7768,6 +6915,41 @@
           </a:prstGeom>
         </p:spPr>
       </p:pic>
+      <p:sp>
+        <p:nvSpPr>
+          <p:cNvPr id="3" name="TextBox 2">
+            <a:extLst>
+              <a:ext uri="{FF2B5EF4-FFF2-40B4-BE49-F238E27FC236}">
+                <a16:creationId xmlns:a16="http://schemas.microsoft.com/office/drawing/2014/main" id="{64313801-F21A-604F-6CC8-8F552B3016C5}"/>
+              </a:ext>
+            </a:extLst>
+          </p:cNvPr>
+          <p:cNvSpPr txBox="1"/>
+          <p:nvPr/>
+        </p:nvSpPr>
+        <p:spPr>
+          <a:xfrm>
+            <a:off x="9829799" y="6451600"/>
+            <a:ext cx="1337733" cy="276999"/>
+          </a:xfrm>
+          <a:prstGeom prst="rect">
+            <a:avLst/>
+          </a:prstGeom>
+          <a:noFill/>
+        </p:spPr>
+        <p:txBody>
+          <a:bodyPr wrap="square" rtlCol="0">
+            <a:spAutoFit/>
+          </a:bodyPr>
+          <a:lstStyle/>
+          <a:p>
+            <a:r>
+              <a:rPr lang="en-US" sz="1200" dirty="0"/>
+              <a:t>Caden R</a:t>
+            </a:r>
+          </a:p>
+        </p:txBody>
+      </p:sp>
     </p:spTree>
     <p:extLst>
       <p:ext uri="{BB962C8B-B14F-4D97-AF65-F5344CB8AC3E}">
@@ -8033,15 +7215,15 @@
               <a:buNone/>
             </a:pPr>
             <a:r>
-              <a:rPr lang="en-US"/>
+              <a:rPr lang="en-US" dirty="0"/>
               <a:t>Only Celebs is, in fact, a </a:t>
             </a:r>
             <a:r>
-              <a:rPr lang="en-US" b="1"/>
+              <a:rPr lang="en-US" b="1" dirty="0"/>
               <a:t>PERFECT </a:t>
             </a:r>
             <a:r>
-              <a:rPr lang="en-US"/>
+              <a:rPr lang="en-US" dirty="0"/>
               <a:t>solution to the vast issue of understanding who is actually the most popular. By giving a platform for the most famous of people to be recognized. That way, we can acknowledge people for what really matters... their popularity. </a:t>
             </a:r>
           </a:p>
@@ -8049,15 +7231,50 @@
             <a:pPr marL="0" indent="0">
               <a:buNone/>
             </a:pPr>
-            <a:endParaRPr lang="en-US"/>
+            <a:endParaRPr lang="en-US" dirty="0"/>
           </a:p>
           <a:p>
             <a:pPr marL="0" indent="0">
               <a:buNone/>
             </a:pPr>
             <a:r>
-              <a:rPr lang="en-US" b="1" u="sng"/>
+              <a:rPr lang="en-US" b="1" u="sng" dirty="0"/>
               <a:t>ONLY THE POPULAR SURVIVE</a:t>
+            </a:r>
+          </a:p>
+        </p:txBody>
+      </p:sp>
+      <p:sp>
+        <p:nvSpPr>
+          <p:cNvPr id="5" name="TextBox 4">
+            <a:extLst>
+              <a:ext uri="{FF2B5EF4-FFF2-40B4-BE49-F238E27FC236}">
+                <a16:creationId xmlns:a16="http://schemas.microsoft.com/office/drawing/2014/main" id="{CAC0519F-04C7-9B15-DCEC-6992F02D6717}"/>
+              </a:ext>
+            </a:extLst>
+          </p:cNvPr>
+          <p:cNvSpPr txBox="1"/>
+          <p:nvPr/>
+        </p:nvSpPr>
+        <p:spPr>
+          <a:xfrm>
+            <a:off x="9829799" y="6451600"/>
+            <a:ext cx="1337733" cy="276999"/>
+          </a:xfrm>
+          <a:prstGeom prst="rect">
+            <a:avLst/>
+          </a:prstGeom>
+          <a:noFill/>
+        </p:spPr>
+        <p:txBody>
+          <a:bodyPr wrap="square" rtlCol="0">
+            <a:spAutoFit/>
+          </a:bodyPr>
+          <a:lstStyle/>
+          <a:p>
+            <a:r>
+              <a:rPr lang="en-US" sz="1200" dirty="0"/>
+              <a:t>Caden</a:t>
             </a:r>
           </a:p>
         </p:txBody>
@@ -8277,20 +7494,20 @@
 </file>
 
 <file path=customXml/item1.xml><?xml version="1.0" encoding="utf-8"?>
+<p:properties xmlns:p="http://schemas.microsoft.com/office/2006/metadata/properties" xmlns:xsi="http://www.w3.org/2001/XMLSchema-instance" xmlns:pc="http://schemas.microsoft.com/office/infopath/2007/PartnerControls">
+  <documentManagement>
+    <_activity xmlns="52b011e2-46ab-420b-a955-2a765087f89c" xsi:nil="true"/>
+  </documentManagement>
+</p:properties>
+</file>
+
+<file path=customXml/item2.xml><?xml version="1.0" encoding="utf-8"?>
 <?mso-contentType ?>
 <FormTemplates xmlns="http://schemas.microsoft.com/sharepoint/v3/contenttype/forms">
   <Display>DocumentLibraryForm</Display>
   <Edit>DocumentLibraryForm</Edit>
   <New>DocumentLibraryForm</New>
 </FormTemplates>
-</file>
-
-<file path=customXml/item2.xml><?xml version="1.0" encoding="utf-8"?>
-<p:properties xmlns:p="http://schemas.microsoft.com/office/2006/metadata/properties" xmlns:xsi="http://www.w3.org/2001/XMLSchema-instance" xmlns:pc="http://schemas.microsoft.com/office/infopath/2007/PartnerControls">
-  <documentManagement>
-    <_activity xmlns="52b011e2-46ab-420b-a955-2a765087f89c" xsi:nil="true"/>
-  </documentManagement>
-</p:properties>
 </file>
 
 <file path=customXml/item3.xml><?xml version="1.0" encoding="utf-8"?>
@@ -8476,25 +7693,25 @@
 </file>
 
 <file path=customXml/itemProps1.xml><?xml version="1.0" encoding="utf-8"?>
-<ds:datastoreItem xmlns:ds="http://schemas.openxmlformats.org/officeDocument/2006/customXml" ds:itemID="{ECE00659-B9BE-41CF-9FBF-E8E7CCE325F7}">
+<ds:datastoreItem xmlns:ds="http://schemas.openxmlformats.org/officeDocument/2006/customXml" ds:itemID="{7EB67FCB-B5D6-456D-BBE0-4EF936C843DB}">
   <ds:schemaRefs>
-    <ds:schemaRef ds:uri="http://schemas.microsoft.com/sharepoint/v3/contenttype/forms"/>
+    <ds:schemaRef ds:uri="http://schemas.microsoft.com/office/2006/metadata/properties"/>
+    <ds:schemaRef ds:uri="http://schemas.microsoft.com/office/infopath/2007/PartnerControls"/>
+    <ds:schemaRef ds:uri="http://purl.org/dc/dcmitype/"/>
+    <ds:schemaRef ds:uri="http://www.w3.org/XML/1998/namespace"/>
+    <ds:schemaRef ds:uri="http://purl.org/dc/terms/"/>
+    <ds:schemaRef ds:uri="http://purl.org/dc/elements/1.1/"/>
+    <ds:schemaRef ds:uri="http://schemas.microsoft.com/office/2006/documentManagement/types"/>
+    <ds:schemaRef ds:uri="http://schemas.openxmlformats.org/package/2006/metadata/core-properties"/>
+    <ds:schemaRef ds:uri="52b011e2-46ab-420b-a955-2a765087f89c"/>
   </ds:schemaRefs>
 </ds:datastoreItem>
 </file>
 
 <file path=customXml/itemProps2.xml><?xml version="1.0" encoding="utf-8"?>
-<ds:datastoreItem xmlns:ds="http://schemas.openxmlformats.org/officeDocument/2006/customXml" ds:itemID="{7EB67FCB-B5D6-456D-BBE0-4EF936C843DB}">
+<ds:datastoreItem xmlns:ds="http://schemas.openxmlformats.org/officeDocument/2006/customXml" ds:itemID="{ECE00659-B9BE-41CF-9FBF-E8E7CCE325F7}">
   <ds:schemaRefs>
-    <ds:schemaRef ds:uri="52b011e2-46ab-420b-a955-2a765087f89c"/>
-    <ds:schemaRef ds:uri="http://purl.org/dc/dcmitype/"/>
-    <ds:schemaRef ds:uri="http://purl.org/dc/elements/1.1/"/>
-    <ds:schemaRef ds:uri="http://purl.org/dc/terms/"/>
-    <ds:schemaRef ds:uri="http://schemas.microsoft.com/office/2006/documentManagement/types"/>
-    <ds:schemaRef ds:uri="http://schemas.microsoft.com/office/2006/metadata/properties"/>
-    <ds:schemaRef ds:uri="http://schemas.microsoft.com/office/infopath/2007/PartnerControls"/>
-    <ds:schemaRef ds:uri="http://schemas.openxmlformats.org/package/2006/metadata/core-properties"/>
-    <ds:schemaRef ds:uri="http://www.w3.org/XML/1998/namespace"/>
+    <ds:schemaRef ds:uri="http://schemas.microsoft.com/sharepoint/v3/contenttype/forms"/>
   </ds:schemaRefs>
 </ds:datastoreItem>
 </file>
